--- a/Documentatie/Presentatie/ContainingPresentatie.pptx
+++ b/Documentatie/Presentatie/ContainingPresentatie.pptx
@@ -9,6 +9,20 @@
     <p:sldId id="257" r:id="rId3"/>
     <p:sldId id="258" r:id="rId4"/>
     <p:sldId id="259" r:id="rId5"/>
+    <p:sldId id="260" r:id="rId6"/>
+    <p:sldId id="261" r:id="rId7"/>
+    <p:sldId id="270" r:id="rId8"/>
+    <p:sldId id="262" r:id="rId9"/>
+    <p:sldId id="263" r:id="rId10"/>
+    <p:sldId id="264" r:id="rId11"/>
+    <p:sldId id="265" r:id="rId12"/>
+    <p:sldId id="266" r:id="rId13"/>
+    <p:sldId id="267" r:id="rId14"/>
+    <p:sldId id="268" r:id="rId15"/>
+    <p:sldId id="269" r:id="rId16"/>
+    <p:sldId id="271" r:id="rId17"/>
+    <p:sldId id="272" r:id="rId18"/>
+    <p:sldId id="273" r:id="rId19"/>
   </p:sldIdLst>
   <p:sldSz cx="9144000" cy="6858000" type="screen4x3"/>
   <p:notesSz cx="6858000" cy="9144000"/>
@@ -291,7 +305,8 @@
           <a:p>
             <a:fld id="{CA99481B-6CE6-44A6-B96B-82ABE4B04EB0}" type="datetimeFigureOut">
               <a:rPr lang="nl-NL" smtClean="0"/>
-              <a:t>17-12-2013</a:t>
+              <a:pPr/>
+              <a:t>6-1-2014</a:t>
             </a:fld>
             <a:endParaRPr lang="nl-NL"/>
           </a:p>
@@ -333,6 +348,7 @@
           <a:p>
             <a:fld id="{0522361C-41ED-469B-B255-C9BB6BA78ECD}" type="slidenum">
               <a:rPr lang="nl-NL" smtClean="0"/>
+              <a:pPr/>
               <a:t>‹nr.›</a:t>
             </a:fld>
             <a:endParaRPr lang="nl-NL"/>
@@ -456,7 +472,8 @@
           <a:p>
             <a:fld id="{CA99481B-6CE6-44A6-B96B-82ABE4B04EB0}" type="datetimeFigureOut">
               <a:rPr lang="nl-NL" smtClean="0"/>
-              <a:t>17-12-2013</a:t>
+              <a:pPr/>
+              <a:t>6-1-2014</a:t>
             </a:fld>
             <a:endParaRPr lang="nl-NL"/>
           </a:p>
@@ -498,6 +515,7 @@
           <a:p>
             <a:fld id="{0522361C-41ED-469B-B255-C9BB6BA78ECD}" type="slidenum">
               <a:rPr lang="nl-NL" smtClean="0"/>
+              <a:pPr/>
               <a:t>‹nr.›</a:t>
             </a:fld>
             <a:endParaRPr lang="nl-NL"/>
@@ -631,7 +649,8 @@
           <a:p>
             <a:fld id="{CA99481B-6CE6-44A6-B96B-82ABE4B04EB0}" type="datetimeFigureOut">
               <a:rPr lang="nl-NL" smtClean="0"/>
-              <a:t>17-12-2013</a:t>
+              <a:pPr/>
+              <a:t>6-1-2014</a:t>
             </a:fld>
             <a:endParaRPr lang="nl-NL"/>
           </a:p>
@@ -673,6 +692,7 @@
           <a:p>
             <a:fld id="{0522361C-41ED-469B-B255-C9BB6BA78ECD}" type="slidenum">
               <a:rPr lang="nl-NL" smtClean="0"/>
+              <a:pPr/>
               <a:t>‹nr.›</a:t>
             </a:fld>
             <a:endParaRPr lang="nl-NL"/>
@@ -796,7 +816,8 @@
           <a:p>
             <a:fld id="{CA99481B-6CE6-44A6-B96B-82ABE4B04EB0}" type="datetimeFigureOut">
               <a:rPr lang="nl-NL" smtClean="0"/>
-              <a:t>17-12-2013</a:t>
+              <a:pPr/>
+              <a:t>6-1-2014</a:t>
             </a:fld>
             <a:endParaRPr lang="nl-NL"/>
           </a:p>
@@ -838,6 +859,7 @@
           <a:p>
             <a:fld id="{0522361C-41ED-469B-B255-C9BB6BA78ECD}" type="slidenum">
               <a:rPr lang="nl-NL" smtClean="0"/>
+              <a:pPr/>
               <a:t>‹nr.›</a:t>
             </a:fld>
             <a:endParaRPr lang="nl-NL"/>
@@ -1037,7 +1059,8 @@
           <a:p>
             <a:fld id="{CA99481B-6CE6-44A6-B96B-82ABE4B04EB0}" type="datetimeFigureOut">
               <a:rPr lang="nl-NL" smtClean="0"/>
-              <a:t>17-12-2013</a:t>
+              <a:pPr/>
+              <a:t>6-1-2014</a:t>
             </a:fld>
             <a:endParaRPr lang="nl-NL"/>
           </a:p>
@@ -1079,6 +1102,7 @@
           <a:p>
             <a:fld id="{0522361C-41ED-469B-B255-C9BB6BA78ECD}" type="slidenum">
               <a:rPr lang="nl-NL" smtClean="0"/>
+              <a:pPr/>
               <a:t>‹nr.›</a:t>
             </a:fld>
             <a:endParaRPr lang="nl-NL"/>
@@ -1320,7 +1344,8 @@
           <a:p>
             <a:fld id="{CA99481B-6CE6-44A6-B96B-82ABE4B04EB0}" type="datetimeFigureOut">
               <a:rPr lang="nl-NL" smtClean="0"/>
-              <a:t>17-12-2013</a:t>
+              <a:pPr/>
+              <a:t>6-1-2014</a:t>
             </a:fld>
             <a:endParaRPr lang="nl-NL"/>
           </a:p>
@@ -1362,6 +1387,7 @@
           <a:p>
             <a:fld id="{0522361C-41ED-469B-B255-C9BB6BA78ECD}" type="slidenum">
               <a:rPr lang="nl-NL" smtClean="0"/>
+              <a:pPr/>
               <a:t>‹nr.›</a:t>
             </a:fld>
             <a:endParaRPr lang="nl-NL"/>
@@ -1737,7 +1763,8 @@
           <a:p>
             <a:fld id="{CA99481B-6CE6-44A6-B96B-82ABE4B04EB0}" type="datetimeFigureOut">
               <a:rPr lang="nl-NL" smtClean="0"/>
-              <a:t>17-12-2013</a:t>
+              <a:pPr/>
+              <a:t>6-1-2014</a:t>
             </a:fld>
             <a:endParaRPr lang="nl-NL"/>
           </a:p>
@@ -1779,6 +1806,7 @@
           <a:p>
             <a:fld id="{0522361C-41ED-469B-B255-C9BB6BA78ECD}" type="slidenum">
               <a:rPr lang="nl-NL" smtClean="0"/>
+              <a:pPr/>
               <a:t>‹nr.›</a:t>
             </a:fld>
             <a:endParaRPr lang="nl-NL"/>
@@ -1850,7 +1878,8 @@
           <a:p>
             <a:fld id="{CA99481B-6CE6-44A6-B96B-82ABE4B04EB0}" type="datetimeFigureOut">
               <a:rPr lang="nl-NL" smtClean="0"/>
-              <a:t>17-12-2013</a:t>
+              <a:pPr/>
+              <a:t>6-1-2014</a:t>
             </a:fld>
             <a:endParaRPr lang="nl-NL"/>
           </a:p>
@@ -1892,6 +1921,7 @@
           <a:p>
             <a:fld id="{0522361C-41ED-469B-B255-C9BB6BA78ECD}" type="slidenum">
               <a:rPr lang="nl-NL" smtClean="0"/>
+              <a:pPr/>
               <a:t>‹nr.›</a:t>
             </a:fld>
             <a:endParaRPr lang="nl-NL"/>
@@ -1940,7 +1970,8 @@
           <a:p>
             <a:fld id="{CA99481B-6CE6-44A6-B96B-82ABE4B04EB0}" type="datetimeFigureOut">
               <a:rPr lang="nl-NL" smtClean="0"/>
-              <a:t>17-12-2013</a:t>
+              <a:pPr/>
+              <a:t>6-1-2014</a:t>
             </a:fld>
             <a:endParaRPr lang="nl-NL"/>
           </a:p>
@@ -1982,6 +2013,7 @@
           <a:p>
             <a:fld id="{0522361C-41ED-469B-B255-C9BB6BA78ECD}" type="slidenum">
               <a:rPr lang="nl-NL" smtClean="0"/>
+              <a:pPr/>
               <a:t>‹nr.›</a:t>
             </a:fld>
             <a:endParaRPr lang="nl-NL"/>
@@ -2212,7 +2244,8 @@
           <a:p>
             <a:fld id="{CA99481B-6CE6-44A6-B96B-82ABE4B04EB0}" type="datetimeFigureOut">
               <a:rPr lang="nl-NL" smtClean="0"/>
-              <a:t>17-12-2013</a:t>
+              <a:pPr/>
+              <a:t>6-1-2014</a:t>
             </a:fld>
             <a:endParaRPr lang="nl-NL"/>
           </a:p>
@@ -2254,6 +2287,7 @@
           <a:p>
             <a:fld id="{0522361C-41ED-469B-B255-C9BB6BA78ECD}" type="slidenum">
               <a:rPr lang="nl-NL" smtClean="0"/>
+              <a:pPr/>
               <a:t>‹nr.›</a:t>
             </a:fld>
             <a:endParaRPr lang="nl-NL"/>
@@ -2460,7 +2494,8 @@
           <a:p>
             <a:fld id="{CA99481B-6CE6-44A6-B96B-82ABE4B04EB0}" type="datetimeFigureOut">
               <a:rPr lang="nl-NL" smtClean="0"/>
-              <a:t>17-12-2013</a:t>
+              <a:pPr/>
+              <a:t>6-1-2014</a:t>
             </a:fld>
             <a:endParaRPr lang="nl-NL"/>
           </a:p>
@@ -2502,6 +2537,7 @@
           <a:p>
             <a:fld id="{0522361C-41ED-469B-B255-C9BB6BA78ECD}" type="slidenum">
               <a:rPr lang="nl-NL" smtClean="0"/>
+              <a:pPr/>
               <a:t>‹nr.›</a:t>
             </a:fld>
             <a:endParaRPr lang="nl-NL"/>
@@ -2668,7 +2704,8 @@
           <a:p>
             <a:fld id="{CA99481B-6CE6-44A6-B96B-82ABE4B04EB0}" type="datetimeFigureOut">
               <a:rPr lang="nl-NL" smtClean="0"/>
-              <a:t>17-12-2013</a:t>
+              <a:pPr/>
+              <a:t>6-1-2014</a:t>
             </a:fld>
             <a:endParaRPr lang="nl-NL"/>
           </a:p>
@@ -2746,6 +2783,7 @@
           <a:p>
             <a:fld id="{0522361C-41ED-469B-B255-C9BB6BA78ECD}" type="slidenum">
               <a:rPr lang="nl-NL" smtClean="0"/>
+              <a:pPr/>
               <a:t>‹nr.›</a:t>
             </a:fld>
             <a:endParaRPr lang="nl-NL"/>
@@ -3278,6 +3316,1337 @@
 </p:sld>
 </file>
 
+<file path=ppt/slides/slide10.xml><?xml version="1.0" encoding="utf-8"?>
+<p:sld xmlns:a="http://schemas.openxmlformats.org/drawingml/2006/main" xmlns:r="http://schemas.openxmlformats.org/officeDocument/2006/relationships" xmlns:p="http://schemas.openxmlformats.org/presentationml/2006/main">
+  <p:cSld>
+    <p:spTree>
+      <p:nvGrpSpPr>
+        <p:cNvPr id="1" name=""/>
+        <p:cNvGrpSpPr/>
+        <p:nvPr/>
+      </p:nvGrpSpPr>
+      <p:grpSpPr>
+        <a:xfrm>
+          <a:off x="0" y="0"/>
+          <a:ext cx="0" cy="0"/>
+          <a:chOff x="0" y="0"/>
+          <a:chExt cx="0" cy="0"/>
+        </a:xfrm>
+      </p:grpSpPr>
+      <p:pic>
+        <p:nvPicPr>
+          <p:cNvPr id="21" name="Picture 2" descr="http://ian.umces.edu/imagelibrary/albums/userpics/10002/normal_ian-symbol-freight-cargo-ship-1.png"/>
+          <p:cNvPicPr>
+            <a:picLocks noChangeAspect="1" noChangeArrowheads="1"/>
+          </p:cNvPicPr>
+          <p:nvPr/>
+        </p:nvPicPr>
+        <p:blipFill>
+          <a:blip r:embed="rId2" cstate="print">
+            <a:lum bright="50000" contrast="-50000"/>
+          </a:blip>
+          <a:srcRect/>
+          <a:stretch>
+            <a:fillRect/>
+          </a:stretch>
+        </p:blipFill>
+        <p:spPr bwMode="auto">
+          <a:xfrm>
+            <a:off x="1115616" y="352818"/>
+            <a:ext cx="6840760" cy="6019870"/>
+          </a:xfrm>
+          <a:prstGeom prst="rect">
+            <a:avLst/>
+          </a:prstGeom>
+          <a:noFill/>
+        </p:spPr>
+      </p:pic>
+      <p:sp>
+        <p:nvSpPr>
+          <p:cNvPr id="2" name="Titel 1"/>
+          <p:cNvSpPr>
+            <a:spLocks noGrp="1"/>
+          </p:cNvSpPr>
+          <p:nvPr>
+            <p:ph type="title"/>
+          </p:nvPr>
+        </p:nvSpPr>
+        <p:spPr/>
+        <p:txBody>
+          <a:bodyPr/>
+          <a:lstStyle/>
+          <a:p>
+            <a:r>
+              <a:rPr lang="nl-NL" dirty="0" err="1" smtClean="0">
+                <a:solidFill>
+                  <a:schemeClr val="tx1">
+                    <a:lumMod val="65000"/>
+                    <a:lumOff val="35000"/>
+                  </a:schemeClr>
+                </a:solidFill>
+                <a:latin typeface="Algerian" pitchFamily="82" charset="0"/>
+              </a:rPr>
+              <a:t>Analysis</a:t>
+            </a:r>
+            <a:r>
+              <a:rPr lang="nl-NL" dirty="0" smtClean="0">
+                <a:solidFill>
+                  <a:schemeClr val="tx1">
+                    <a:lumMod val="65000"/>
+                    <a:lumOff val="35000"/>
+                  </a:schemeClr>
+                </a:solidFill>
+                <a:latin typeface="Algerian" pitchFamily="82" charset="0"/>
+              </a:rPr>
+              <a:t> </a:t>
+            </a:r>
+            <a:r>
+              <a:rPr lang="nl-NL" dirty="0" err="1" smtClean="0">
+                <a:solidFill>
+                  <a:schemeClr val="tx1">
+                    <a:lumMod val="65000"/>
+                    <a:lumOff val="35000"/>
+                  </a:schemeClr>
+                </a:solidFill>
+                <a:latin typeface="Algerian" pitchFamily="82" charset="0"/>
+              </a:rPr>
+              <a:t>client</a:t>
+            </a:r>
+            <a:endParaRPr lang="nl-NL" dirty="0">
+              <a:solidFill>
+                <a:schemeClr val="tx1">
+                  <a:lumMod val="65000"/>
+                  <a:lumOff val="35000"/>
+                </a:schemeClr>
+              </a:solidFill>
+              <a:latin typeface="Algerian" pitchFamily="82" charset="0"/>
+            </a:endParaRPr>
+          </a:p>
+        </p:txBody>
+      </p:sp>
+      <p:sp>
+        <p:nvSpPr>
+          <p:cNvPr id="9" name="Tijdelijke aanduiding voor inhoud 8"/>
+          <p:cNvSpPr>
+            <a:spLocks noGrp="1"/>
+          </p:cNvSpPr>
+          <p:nvPr>
+            <p:ph idx="1"/>
+          </p:nvPr>
+        </p:nvSpPr>
+        <p:spPr/>
+        <p:txBody>
+          <a:bodyPr/>
+          <a:lstStyle/>
+          <a:p>
+            <a:endParaRPr lang="nl-NL" dirty="0" smtClean="0"/>
+          </a:p>
+        </p:txBody>
+      </p:sp>
+    </p:spTree>
+  </p:cSld>
+  <p:clrMapOvr>
+    <a:masterClrMapping/>
+  </p:clrMapOvr>
+  <p:transition>
+    <p:fade/>
+  </p:transition>
+  <p:timing>
+    <p:tnLst>
+      <p:par>
+        <p:cTn id="1" dur="indefinite" restart="never" nodeType="tmRoot"/>
+      </p:par>
+    </p:tnLst>
+  </p:timing>
+</p:sld>
+</file>
+
+<file path=ppt/slides/slide11.xml><?xml version="1.0" encoding="utf-8"?>
+<p:sld xmlns:a="http://schemas.openxmlformats.org/drawingml/2006/main" xmlns:r="http://schemas.openxmlformats.org/officeDocument/2006/relationships" xmlns:p="http://schemas.openxmlformats.org/presentationml/2006/main">
+  <p:cSld>
+    <p:spTree>
+      <p:nvGrpSpPr>
+        <p:cNvPr id="1" name=""/>
+        <p:cNvGrpSpPr/>
+        <p:nvPr/>
+      </p:nvGrpSpPr>
+      <p:grpSpPr>
+        <a:xfrm>
+          <a:off x="0" y="0"/>
+          <a:ext cx="0" cy="0"/>
+          <a:chOff x="0" y="0"/>
+          <a:chExt cx="0" cy="0"/>
+        </a:xfrm>
+      </p:grpSpPr>
+      <p:pic>
+        <p:nvPicPr>
+          <p:cNvPr id="21" name="Picture 2" descr="http://ian.umces.edu/imagelibrary/albums/userpics/10002/normal_ian-symbol-freight-cargo-ship-1.png"/>
+          <p:cNvPicPr>
+            <a:picLocks noChangeAspect="1" noChangeArrowheads="1"/>
+          </p:cNvPicPr>
+          <p:nvPr/>
+        </p:nvPicPr>
+        <p:blipFill>
+          <a:blip r:embed="rId2" cstate="print">
+            <a:lum bright="50000" contrast="-50000"/>
+          </a:blip>
+          <a:srcRect/>
+          <a:stretch>
+            <a:fillRect/>
+          </a:stretch>
+        </p:blipFill>
+        <p:spPr bwMode="auto">
+          <a:xfrm>
+            <a:off x="1115616" y="352818"/>
+            <a:ext cx="6840760" cy="6019870"/>
+          </a:xfrm>
+          <a:prstGeom prst="rect">
+            <a:avLst/>
+          </a:prstGeom>
+          <a:noFill/>
+        </p:spPr>
+      </p:pic>
+      <p:sp>
+        <p:nvSpPr>
+          <p:cNvPr id="2" name="Titel 1"/>
+          <p:cNvSpPr>
+            <a:spLocks noGrp="1"/>
+          </p:cNvSpPr>
+          <p:nvPr>
+            <p:ph type="title"/>
+          </p:nvPr>
+        </p:nvSpPr>
+        <p:spPr/>
+        <p:txBody>
+          <a:bodyPr/>
+          <a:lstStyle/>
+          <a:p>
+            <a:r>
+              <a:rPr lang="nl-NL" dirty="0" smtClean="0">
+                <a:solidFill>
+                  <a:schemeClr val="tx1">
+                    <a:lumMod val="65000"/>
+                    <a:lumOff val="35000"/>
+                  </a:schemeClr>
+                </a:solidFill>
+                <a:latin typeface="Algerian" pitchFamily="82" charset="0"/>
+              </a:rPr>
+              <a:t>server</a:t>
+            </a:r>
+            <a:endParaRPr lang="nl-NL" dirty="0">
+              <a:solidFill>
+                <a:schemeClr val="tx1">
+                  <a:lumMod val="65000"/>
+                  <a:lumOff val="35000"/>
+                </a:schemeClr>
+              </a:solidFill>
+              <a:latin typeface="Algerian" pitchFamily="82" charset="0"/>
+            </a:endParaRPr>
+          </a:p>
+        </p:txBody>
+      </p:sp>
+      <p:sp>
+        <p:nvSpPr>
+          <p:cNvPr id="9" name="Tijdelijke aanduiding voor inhoud 8"/>
+          <p:cNvSpPr>
+            <a:spLocks noGrp="1"/>
+          </p:cNvSpPr>
+          <p:nvPr>
+            <p:ph idx="1"/>
+          </p:nvPr>
+        </p:nvSpPr>
+        <p:spPr/>
+        <p:txBody>
+          <a:bodyPr/>
+          <a:lstStyle/>
+          <a:p>
+            <a:endParaRPr lang="nl-NL" dirty="0" smtClean="0"/>
+          </a:p>
+          <a:p>
+            <a:r>
+              <a:rPr lang="nl-NL" dirty="0" smtClean="0"/>
+              <a:t>XML </a:t>
+            </a:r>
+            <a:r>
+              <a:rPr lang="nl-NL" dirty="0" err="1" smtClean="0"/>
+              <a:t>parser</a:t>
+            </a:r>
+            <a:endParaRPr lang="nl-NL" dirty="0" smtClean="0"/>
+          </a:p>
+          <a:p>
+            <a:r>
+              <a:rPr lang="nl-NL" dirty="0" err="1" smtClean="0"/>
+              <a:t>Sync</a:t>
+            </a:r>
+            <a:endParaRPr lang="nl-NL" dirty="0" smtClean="0"/>
+          </a:p>
+          <a:p>
+            <a:endParaRPr lang="nl-NL" dirty="0" smtClean="0"/>
+          </a:p>
+        </p:txBody>
+      </p:sp>
+    </p:spTree>
+  </p:cSld>
+  <p:clrMapOvr>
+    <a:masterClrMapping/>
+  </p:clrMapOvr>
+  <p:transition>
+    <p:fade/>
+  </p:transition>
+  <p:timing>
+    <p:tnLst>
+      <p:par>
+        <p:cTn id="1" dur="indefinite" restart="never" nodeType="tmRoot"/>
+      </p:par>
+    </p:tnLst>
+  </p:timing>
+</p:sld>
+</file>
+
+<file path=ppt/slides/slide12.xml><?xml version="1.0" encoding="utf-8"?>
+<p:sld xmlns:a="http://schemas.openxmlformats.org/drawingml/2006/main" xmlns:r="http://schemas.openxmlformats.org/officeDocument/2006/relationships" xmlns:p="http://schemas.openxmlformats.org/presentationml/2006/main">
+  <p:cSld>
+    <p:spTree>
+      <p:nvGrpSpPr>
+        <p:cNvPr id="1" name=""/>
+        <p:cNvGrpSpPr/>
+        <p:nvPr/>
+      </p:nvGrpSpPr>
+      <p:grpSpPr>
+        <a:xfrm>
+          <a:off x="0" y="0"/>
+          <a:ext cx="0" cy="0"/>
+          <a:chOff x="0" y="0"/>
+          <a:chExt cx="0" cy="0"/>
+        </a:xfrm>
+      </p:grpSpPr>
+      <p:pic>
+        <p:nvPicPr>
+          <p:cNvPr id="21" name="Picture 2" descr="http://ian.umces.edu/imagelibrary/albums/userpics/10002/normal_ian-symbol-freight-cargo-ship-1.png"/>
+          <p:cNvPicPr>
+            <a:picLocks noChangeAspect="1" noChangeArrowheads="1"/>
+          </p:cNvPicPr>
+          <p:nvPr/>
+        </p:nvPicPr>
+        <p:blipFill>
+          <a:blip r:embed="rId2" cstate="print">
+            <a:lum bright="50000" contrast="-50000"/>
+          </a:blip>
+          <a:srcRect/>
+          <a:stretch>
+            <a:fillRect/>
+          </a:stretch>
+        </p:blipFill>
+        <p:spPr bwMode="auto">
+          <a:xfrm>
+            <a:off x="1115616" y="352818"/>
+            <a:ext cx="6840760" cy="6019870"/>
+          </a:xfrm>
+          <a:prstGeom prst="rect">
+            <a:avLst/>
+          </a:prstGeom>
+          <a:noFill/>
+        </p:spPr>
+      </p:pic>
+      <p:sp>
+        <p:nvSpPr>
+          <p:cNvPr id="2" name="Titel 1"/>
+          <p:cNvSpPr>
+            <a:spLocks noGrp="1"/>
+          </p:cNvSpPr>
+          <p:nvPr>
+            <p:ph type="title"/>
+          </p:nvPr>
+        </p:nvSpPr>
+        <p:spPr/>
+        <p:txBody>
+          <a:bodyPr/>
+          <a:lstStyle/>
+          <a:p>
+            <a:r>
+              <a:rPr lang="nl-NL" dirty="0" smtClean="0">
+                <a:solidFill>
+                  <a:schemeClr val="tx1">
+                    <a:lumMod val="65000"/>
+                    <a:lumOff val="35000"/>
+                  </a:schemeClr>
+                </a:solidFill>
+                <a:latin typeface="Algerian" pitchFamily="82" charset="0"/>
+              </a:rPr>
+              <a:t>protocol</a:t>
+            </a:r>
+            <a:endParaRPr lang="nl-NL" dirty="0">
+              <a:solidFill>
+                <a:schemeClr val="tx1">
+                  <a:lumMod val="65000"/>
+                  <a:lumOff val="35000"/>
+                </a:schemeClr>
+              </a:solidFill>
+              <a:latin typeface="Algerian" pitchFamily="82" charset="0"/>
+            </a:endParaRPr>
+          </a:p>
+        </p:txBody>
+      </p:sp>
+      <p:sp>
+        <p:nvSpPr>
+          <p:cNvPr id="9" name="Tijdelijke aanduiding voor inhoud 8"/>
+          <p:cNvSpPr>
+            <a:spLocks noGrp="1"/>
+          </p:cNvSpPr>
+          <p:nvPr>
+            <p:ph idx="1"/>
+          </p:nvPr>
+        </p:nvSpPr>
+        <p:spPr/>
+        <p:txBody>
+          <a:bodyPr/>
+          <a:lstStyle/>
+          <a:p>
+            <a:endParaRPr lang="nl-NL" dirty="0" smtClean="0"/>
+          </a:p>
+          <a:p>
+            <a:r>
+              <a:rPr lang="nl-NL" dirty="0" err="1" smtClean="0"/>
+              <a:t>Send</a:t>
+            </a:r>
+            <a:r>
+              <a:rPr lang="nl-NL" dirty="0" smtClean="0"/>
+              <a:t> data</a:t>
+            </a:r>
+          </a:p>
+          <a:p>
+            <a:r>
+              <a:rPr lang="nl-NL" dirty="0" err="1" smtClean="0"/>
+              <a:t>Receive</a:t>
+            </a:r>
+            <a:r>
+              <a:rPr lang="nl-NL" dirty="0" smtClean="0"/>
+              <a:t> data</a:t>
+            </a:r>
+          </a:p>
+          <a:p>
+            <a:r>
+              <a:rPr lang="nl-NL" dirty="0" err="1" smtClean="0"/>
+              <a:t>Process</a:t>
+            </a:r>
+            <a:r>
+              <a:rPr lang="nl-NL" dirty="0" smtClean="0"/>
+              <a:t> data</a:t>
+            </a:r>
+          </a:p>
+        </p:txBody>
+      </p:sp>
+    </p:spTree>
+  </p:cSld>
+  <p:clrMapOvr>
+    <a:masterClrMapping/>
+  </p:clrMapOvr>
+  <p:transition>
+    <p:fade/>
+  </p:transition>
+  <p:timing>
+    <p:tnLst>
+      <p:par>
+        <p:cTn id="1" dur="indefinite" restart="never" nodeType="tmRoot"/>
+      </p:par>
+    </p:tnLst>
+  </p:timing>
+</p:sld>
+</file>
+
+<file path=ppt/slides/slide13.xml><?xml version="1.0" encoding="utf-8"?>
+<p:sld xmlns:a="http://schemas.openxmlformats.org/drawingml/2006/main" xmlns:r="http://schemas.openxmlformats.org/officeDocument/2006/relationships" xmlns:p="http://schemas.openxmlformats.org/presentationml/2006/main">
+  <p:cSld>
+    <p:spTree>
+      <p:nvGrpSpPr>
+        <p:cNvPr id="1" name=""/>
+        <p:cNvGrpSpPr/>
+        <p:nvPr/>
+      </p:nvGrpSpPr>
+      <p:grpSpPr>
+        <a:xfrm>
+          <a:off x="0" y="0"/>
+          <a:ext cx="0" cy="0"/>
+          <a:chOff x="0" y="0"/>
+          <a:chExt cx="0" cy="0"/>
+        </a:xfrm>
+      </p:grpSpPr>
+      <p:pic>
+        <p:nvPicPr>
+          <p:cNvPr id="21" name="Picture 2" descr="http://ian.umces.edu/imagelibrary/albums/userpics/10002/normal_ian-symbol-freight-cargo-ship-1.png"/>
+          <p:cNvPicPr>
+            <a:picLocks noChangeAspect="1" noChangeArrowheads="1"/>
+          </p:cNvPicPr>
+          <p:nvPr/>
+        </p:nvPicPr>
+        <p:blipFill>
+          <a:blip r:embed="rId2" cstate="print">
+            <a:lum bright="50000" contrast="-50000"/>
+          </a:blip>
+          <a:srcRect/>
+          <a:stretch>
+            <a:fillRect/>
+          </a:stretch>
+        </p:blipFill>
+        <p:spPr bwMode="auto">
+          <a:xfrm>
+            <a:off x="1115616" y="352818"/>
+            <a:ext cx="6840760" cy="6019870"/>
+          </a:xfrm>
+          <a:prstGeom prst="rect">
+            <a:avLst/>
+          </a:prstGeom>
+          <a:noFill/>
+        </p:spPr>
+      </p:pic>
+      <p:sp>
+        <p:nvSpPr>
+          <p:cNvPr id="2" name="Titel 1"/>
+          <p:cNvSpPr>
+            <a:spLocks noGrp="1"/>
+          </p:cNvSpPr>
+          <p:nvPr>
+            <p:ph type="title"/>
+          </p:nvPr>
+        </p:nvSpPr>
+        <p:spPr/>
+        <p:txBody>
+          <a:bodyPr/>
+          <a:lstStyle/>
+          <a:p>
+            <a:r>
+              <a:rPr lang="nl-NL" dirty="0" err="1" smtClean="0">
+                <a:solidFill>
+                  <a:schemeClr val="tx1">
+                    <a:lumMod val="65000"/>
+                    <a:lumOff val="35000"/>
+                  </a:schemeClr>
+                </a:solidFill>
+                <a:latin typeface="Algerian" pitchFamily="82" charset="0"/>
+              </a:rPr>
+              <a:t>Client</a:t>
+            </a:r>
+            <a:endParaRPr lang="nl-NL" dirty="0">
+              <a:solidFill>
+                <a:schemeClr val="tx1">
+                  <a:lumMod val="65000"/>
+                  <a:lumOff val="35000"/>
+                </a:schemeClr>
+              </a:solidFill>
+              <a:latin typeface="Algerian" pitchFamily="82" charset="0"/>
+            </a:endParaRPr>
+          </a:p>
+        </p:txBody>
+      </p:sp>
+      <p:sp>
+        <p:nvSpPr>
+          <p:cNvPr id="9" name="Tijdelijke aanduiding voor inhoud 8"/>
+          <p:cNvSpPr>
+            <a:spLocks noGrp="1"/>
+          </p:cNvSpPr>
+          <p:nvPr>
+            <p:ph idx="1"/>
+          </p:nvPr>
+        </p:nvSpPr>
+        <p:spPr/>
+        <p:txBody>
+          <a:bodyPr/>
+          <a:lstStyle/>
+          <a:p>
+            <a:endParaRPr lang="nl-NL" dirty="0" smtClean="0"/>
+          </a:p>
+          <a:p>
+            <a:r>
+              <a:rPr lang="nl-NL" dirty="0" err="1" smtClean="0"/>
+              <a:t>Receive</a:t>
+            </a:r>
+            <a:r>
+              <a:rPr lang="nl-NL" dirty="0" smtClean="0"/>
+              <a:t> data</a:t>
+            </a:r>
+          </a:p>
+          <a:p>
+            <a:r>
+              <a:rPr lang="nl-NL" dirty="0" err="1" smtClean="0"/>
+              <a:t>Process</a:t>
+            </a:r>
+            <a:r>
+              <a:rPr lang="nl-NL" dirty="0" smtClean="0"/>
+              <a:t> data</a:t>
+            </a:r>
+          </a:p>
+          <a:p>
+            <a:r>
+              <a:rPr lang="nl-NL" dirty="0" err="1" smtClean="0"/>
+              <a:t>Simulation</a:t>
+            </a:r>
+            <a:endParaRPr lang="nl-NL" dirty="0" smtClean="0"/>
+          </a:p>
+        </p:txBody>
+      </p:sp>
+    </p:spTree>
+  </p:cSld>
+  <p:clrMapOvr>
+    <a:masterClrMapping/>
+  </p:clrMapOvr>
+  <p:transition>
+    <p:fade/>
+  </p:transition>
+  <p:timing>
+    <p:tnLst>
+      <p:par>
+        <p:cTn id="1" dur="indefinite" restart="never" nodeType="tmRoot"/>
+      </p:par>
+    </p:tnLst>
+  </p:timing>
+</p:sld>
+</file>
+
+<file path=ppt/slides/slide14.xml><?xml version="1.0" encoding="utf-8"?>
+<p:sld xmlns:a="http://schemas.openxmlformats.org/drawingml/2006/main" xmlns:r="http://schemas.openxmlformats.org/officeDocument/2006/relationships" xmlns:p="http://schemas.openxmlformats.org/presentationml/2006/main">
+  <p:cSld>
+    <p:spTree>
+      <p:nvGrpSpPr>
+        <p:cNvPr id="1" name=""/>
+        <p:cNvGrpSpPr/>
+        <p:nvPr/>
+      </p:nvGrpSpPr>
+      <p:grpSpPr>
+        <a:xfrm>
+          <a:off x="0" y="0"/>
+          <a:ext cx="0" cy="0"/>
+          <a:chOff x="0" y="0"/>
+          <a:chExt cx="0" cy="0"/>
+        </a:xfrm>
+      </p:grpSpPr>
+      <p:pic>
+        <p:nvPicPr>
+          <p:cNvPr id="21" name="Picture 2" descr="http://ian.umces.edu/imagelibrary/albums/userpics/10002/normal_ian-symbol-freight-cargo-ship-1.png"/>
+          <p:cNvPicPr>
+            <a:picLocks noChangeAspect="1" noChangeArrowheads="1"/>
+          </p:cNvPicPr>
+          <p:nvPr/>
+        </p:nvPicPr>
+        <p:blipFill>
+          <a:blip r:embed="rId2" cstate="print">
+            <a:lum bright="50000" contrast="-50000"/>
+          </a:blip>
+          <a:srcRect/>
+          <a:stretch>
+            <a:fillRect/>
+          </a:stretch>
+        </p:blipFill>
+        <p:spPr bwMode="auto">
+          <a:xfrm>
+            <a:off x="1115616" y="352818"/>
+            <a:ext cx="6840760" cy="6019870"/>
+          </a:xfrm>
+          <a:prstGeom prst="rect">
+            <a:avLst/>
+          </a:prstGeom>
+          <a:noFill/>
+        </p:spPr>
+      </p:pic>
+      <p:sp>
+        <p:nvSpPr>
+          <p:cNvPr id="2" name="Titel 1"/>
+          <p:cNvSpPr>
+            <a:spLocks noGrp="1"/>
+          </p:cNvSpPr>
+          <p:nvPr>
+            <p:ph type="title"/>
+          </p:nvPr>
+        </p:nvSpPr>
+        <p:spPr/>
+        <p:txBody>
+          <a:bodyPr/>
+          <a:lstStyle/>
+          <a:p>
+            <a:r>
+              <a:rPr lang="nl-NL" dirty="0" smtClean="0">
+                <a:solidFill>
+                  <a:schemeClr val="tx1">
+                    <a:lumMod val="65000"/>
+                    <a:lumOff val="35000"/>
+                  </a:schemeClr>
+                </a:solidFill>
+                <a:latin typeface="Algerian" pitchFamily="82" charset="0"/>
+              </a:rPr>
+              <a:t>Management interface</a:t>
+            </a:r>
+            <a:endParaRPr lang="nl-NL" dirty="0">
+              <a:solidFill>
+                <a:schemeClr val="tx1">
+                  <a:lumMod val="65000"/>
+                  <a:lumOff val="35000"/>
+                </a:schemeClr>
+              </a:solidFill>
+              <a:latin typeface="Algerian" pitchFamily="82" charset="0"/>
+            </a:endParaRPr>
+          </a:p>
+        </p:txBody>
+      </p:sp>
+      <p:sp>
+        <p:nvSpPr>
+          <p:cNvPr id="9" name="Tijdelijke aanduiding voor inhoud 8"/>
+          <p:cNvSpPr>
+            <a:spLocks noGrp="1"/>
+          </p:cNvSpPr>
+          <p:nvPr>
+            <p:ph idx="1"/>
+          </p:nvPr>
+        </p:nvSpPr>
+        <p:spPr/>
+        <p:txBody>
+          <a:bodyPr/>
+          <a:lstStyle/>
+          <a:p>
+            <a:endParaRPr lang="nl-NL" dirty="0" smtClean="0"/>
+          </a:p>
+        </p:txBody>
+      </p:sp>
+    </p:spTree>
+  </p:cSld>
+  <p:clrMapOvr>
+    <a:masterClrMapping/>
+  </p:clrMapOvr>
+  <p:transition>
+    <p:fade/>
+  </p:transition>
+  <p:timing>
+    <p:tnLst>
+      <p:par>
+        <p:cTn id="1" dur="indefinite" restart="never" nodeType="tmRoot"/>
+      </p:par>
+    </p:tnLst>
+  </p:timing>
+</p:sld>
+</file>
+
+<file path=ppt/slides/slide15.xml><?xml version="1.0" encoding="utf-8"?>
+<p:sld xmlns:a="http://schemas.openxmlformats.org/drawingml/2006/main" xmlns:r="http://schemas.openxmlformats.org/officeDocument/2006/relationships" xmlns:p="http://schemas.openxmlformats.org/presentationml/2006/main">
+  <p:cSld>
+    <p:spTree>
+      <p:nvGrpSpPr>
+        <p:cNvPr id="1" name=""/>
+        <p:cNvGrpSpPr/>
+        <p:nvPr/>
+      </p:nvGrpSpPr>
+      <p:grpSpPr>
+        <a:xfrm>
+          <a:off x="0" y="0"/>
+          <a:ext cx="0" cy="0"/>
+          <a:chOff x="0" y="0"/>
+          <a:chExt cx="0" cy="0"/>
+        </a:xfrm>
+      </p:grpSpPr>
+      <p:pic>
+        <p:nvPicPr>
+          <p:cNvPr id="21" name="Picture 2" descr="http://ian.umces.edu/imagelibrary/albums/userpics/10002/normal_ian-symbol-freight-cargo-ship-1.png"/>
+          <p:cNvPicPr>
+            <a:picLocks noChangeAspect="1" noChangeArrowheads="1"/>
+          </p:cNvPicPr>
+          <p:nvPr/>
+        </p:nvPicPr>
+        <p:blipFill>
+          <a:blip r:embed="rId2" cstate="print">
+            <a:lum bright="50000" contrast="-50000"/>
+          </a:blip>
+          <a:srcRect/>
+          <a:stretch>
+            <a:fillRect/>
+          </a:stretch>
+        </p:blipFill>
+        <p:spPr bwMode="auto">
+          <a:xfrm>
+            <a:off x="1115616" y="352818"/>
+            <a:ext cx="6840760" cy="6019870"/>
+          </a:xfrm>
+          <a:prstGeom prst="rect">
+            <a:avLst/>
+          </a:prstGeom>
+          <a:noFill/>
+        </p:spPr>
+      </p:pic>
+      <p:sp>
+        <p:nvSpPr>
+          <p:cNvPr id="2" name="Titel 1"/>
+          <p:cNvSpPr>
+            <a:spLocks noGrp="1"/>
+          </p:cNvSpPr>
+          <p:nvPr>
+            <p:ph type="title"/>
+          </p:nvPr>
+        </p:nvSpPr>
+        <p:spPr/>
+        <p:txBody>
+          <a:bodyPr/>
+          <a:lstStyle/>
+          <a:p>
+            <a:r>
+              <a:rPr lang="nl-NL" dirty="0" err="1" smtClean="0">
+                <a:solidFill>
+                  <a:schemeClr val="tx1">
+                    <a:lumMod val="65000"/>
+                    <a:lumOff val="35000"/>
+                  </a:schemeClr>
+                </a:solidFill>
+                <a:latin typeface="Algerian" pitchFamily="82" charset="0"/>
+              </a:rPr>
+              <a:t>Testing</a:t>
+            </a:r>
+            <a:endParaRPr lang="nl-NL" dirty="0">
+              <a:solidFill>
+                <a:schemeClr val="tx1">
+                  <a:lumMod val="65000"/>
+                  <a:lumOff val="35000"/>
+                </a:schemeClr>
+              </a:solidFill>
+              <a:latin typeface="Algerian" pitchFamily="82" charset="0"/>
+            </a:endParaRPr>
+          </a:p>
+        </p:txBody>
+      </p:sp>
+      <p:sp>
+        <p:nvSpPr>
+          <p:cNvPr id="9" name="Tijdelijke aanduiding voor inhoud 8"/>
+          <p:cNvSpPr>
+            <a:spLocks noGrp="1"/>
+          </p:cNvSpPr>
+          <p:nvPr>
+            <p:ph idx="1"/>
+          </p:nvPr>
+        </p:nvSpPr>
+        <p:spPr/>
+        <p:txBody>
+          <a:bodyPr/>
+          <a:lstStyle/>
+          <a:p>
+            <a:endParaRPr lang="nl-NL" dirty="0" smtClean="0"/>
+          </a:p>
+          <a:p>
+            <a:r>
+              <a:rPr lang="nl-NL" dirty="0" smtClean="0"/>
+              <a:t>Plan </a:t>
+            </a:r>
+            <a:r>
+              <a:rPr lang="nl-NL" dirty="0" err="1" smtClean="0"/>
+              <a:t>for</a:t>
+            </a:r>
+            <a:r>
+              <a:rPr lang="nl-NL" dirty="0" smtClean="0"/>
+              <a:t> </a:t>
+            </a:r>
+            <a:r>
+              <a:rPr lang="nl-NL" dirty="0" err="1" smtClean="0"/>
+              <a:t>testing</a:t>
+            </a:r>
+            <a:endParaRPr lang="nl-NL" dirty="0" smtClean="0"/>
+          </a:p>
+          <a:p>
+            <a:r>
+              <a:rPr lang="nl-NL" dirty="0" err="1" smtClean="0"/>
+              <a:t>Coverage</a:t>
+            </a:r>
+            <a:r>
+              <a:rPr lang="nl-NL" dirty="0" smtClean="0"/>
+              <a:t> tests</a:t>
+            </a:r>
+          </a:p>
+          <a:p>
+            <a:r>
+              <a:rPr lang="nl-NL" dirty="0" smtClean="0"/>
+              <a:t>DOM </a:t>
+            </a:r>
+            <a:r>
+              <a:rPr lang="nl-NL" dirty="0" err="1" smtClean="0"/>
+              <a:t>testing</a:t>
+            </a:r>
+            <a:endParaRPr lang="nl-NL" dirty="0" smtClean="0"/>
+          </a:p>
+          <a:p>
+            <a:r>
+              <a:rPr lang="nl-NL" dirty="0" smtClean="0"/>
+              <a:t>Unit </a:t>
+            </a:r>
+            <a:r>
+              <a:rPr lang="nl-NL" dirty="0" err="1" smtClean="0"/>
+              <a:t>testing</a:t>
+            </a:r>
+            <a:endParaRPr lang="nl-NL" dirty="0" smtClean="0"/>
+          </a:p>
+          <a:p>
+            <a:pPr lvl="1"/>
+            <a:r>
+              <a:rPr lang="nl-NL" dirty="0" err="1" smtClean="0"/>
+              <a:t>JUnit</a:t>
+            </a:r>
+            <a:endParaRPr lang="nl-NL" dirty="0" smtClean="0"/>
+          </a:p>
+          <a:p>
+            <a:endParaRPr lang="nl-NL" dirty="0" smtClean="0"/>
+          </a:p>
+        </p:txBody>
+      </p:sp>
+    </p:spTree>
+  </p:cSld>
+  <p:clrMapOvr>
+    <a:masterClrMapping/>
+  </p:clrMapOvr>
+  <p:transition>
+    <p:fade/>
+  </p:transition>
+  <p:timing>
+    <p:tnLst>
+      <p:par>
+        <p:cTn id="1" dur="indefinite" restart="never" nodeType="tmRoot"/>
+      </p:par>
+    </p:tnLst>
+  </p:timing>
+</p:sld>
+</file>
+
+<file path=ppt/slides/slide16.xml><?xml version="1.0" encoding="utf-8"?>
+<p:sld xmlns:a="http://schemas.openxmlformats.org/drawingml/2006/main" xmlns:r="http://schemas.openxmlformats.org/officeDocument/2006/relationships" xmlns:p="http://schemas.openxmlformats.org/presentationml/2006/main">
+  <p:cSld>
+    <p:spTree>
+      <p:nvGrpSpPr>
+        <p:cNvPr id="1" name=""/>
+        <p:cNvGrpSpPr/>
+        <p:nvPr/>
+      </p:nvGrpSpPr>
+      <p:grpSpPr>
+        <a:xfrm>
+          <a:off x="0" y="0"/>
+          <a:ext cx="0" cy="0"/>
+          <a:chOff x="0" y="0"/>
+          <a:chExt cx="0" cy="0"/>
+        </a:xfrm>
+      </p:grpSpPr>
+      <p:pic>
+        <p:nvPicPr>
+          <p:cNvPr id="21" name="Picture 2" descr="http://ian.umces.edu/imagelibrary/albums/userpics/10002/normal_ian-symbol-freight-cargo-ship-1.png"/>
+          <p:cNvPicPr>
+            <a:picLocks noChangeAspect="1" noChangeArrowheads="1"/>
+          </p:cNvPicPr>
+          <p:nvPr/>
+        </p:nvPicPr>
+        <p:blipFill>
+          <a:blip r:embed="rId2" cstate="print">
+            <a:lum bright="50000" contrast="-50000"/>
+          </a:blip>
+          <a:srcRect/>
+          <a:stretch>
+            <a:fillRect/>
+          </a:stretch>
+        </p:blipFill>
+        <p:spPr bwMode="auto">
+          <a:xfrm>
+            <a:off x="1115616" y="352818"/>
+            <a:ext cx="6840760" cy="6019870"/>
+          </a:xfrm>
+          <a:prstGeom prst="rect">
+            <a:avLst/>
+          </a:prstGeom>
+          <a:noFill/>
+        </p:spPr>
+      </p:pic>
+      <p:sp>
+        <p:nvSpPr>
+          <p:cNvPr id="2" name="Titel 1"/>
+          <p:cNvSpPr>
+            <a:spLocks noGrp="1"/>
+          </p:cNvSpPr>
+          <p:nvPr>
+            <p:ph type="title"/>
+          </p:nvPr>
+        </p:nvSpPr>
+        <p:spPr>
+          <a:xfrm>
+            <a:off x="467544" y="2492896"/>
+            <a:ext cx="8229600" cy="1143000"/>
+          </a:xfrm>
+        </p:spPr>
+        <p:txBody>
+          <a:bodyPr/>
+          <a:lstStyle/>
+          <a:p>
+            <a:r>
+              <a:rPr lang="nl-NL" dirty="0" err="1" smtClean="0">
+                <a:solidFill>
+                  <a:schemeClr val="tx1">
+                    <a:lumMod val="65000"/>
+                    <a:lumOff val="35000"/>
+                  </a:schemeClr>
+                </a:solidFill>
+                <a:latin typeface="Algerian" pitchFamily="82" charset="0"/>
+              </a:rPr>
+              <a:t>Conclusion</a:t>
+            </a:r>
+            <a:endParaRPr lang="nl-NL" dirty="0">
+              <a:solidFill>
+                <a:schemeClr val="tx1">
+                  <a:lumMod val="65000"/>
+                  <a:lumOff val="35000"/>
+                </a:schemeClr>
+              </a:solidFill>
+              <a:latin typeface="Algerian" pitchFamily="82" charset="0"/>
+            </a:endParaRPr>
+          </a:p>
+        </p:txBody>
+      </p:sp>
+      <p:sp>
+        <p:nvSpPr>
+          <p:cNvPr id="9" name="Tijdelijke aanduiding voor inhoud 8"/>
+          <p:cNvSpPr>
+            <a:spLocks noGrp="1"/>
+          </p:cNvSpPr>
+          <p:nvPr>
+            <p:ph idx="1"/>
+          </p:nvPr>
+        </p:nvSpPr>
+        <p:spPr/>
+        <p:txBody>
+          <a:bodyPr/>
+          <a:lstStyle/>
+          <a:p>
+            <a:endParaRPr lang="nl-NL" dirty="0" smtClean="0"/>
+          </a:p>
+        </p:txBody>
+      </p:sp>
+    </p:spTree>
+  </p:cSld>
+  <p:clrMapOvr>
+    <a:masterClrMapping/>
+  </p:clrMapOvr>
+  <p:transition>
+    <p:fade/>
+  </p:transition>
+  <p:timing>
+    <p:tnLst>
+      <p:par>
+        <p:cTn id="1" dur="indefinite" restart="never" nodeType="tmRoot"/>
+      </p:par>
+    </p:tnLst>
+  </p:timing>
+</p:sld>
+</file>
+
+<file path=ppt/slides/slide17.xml><?xml version="1.0" encoding="utf-8"?>
+<p:sld xmlns:a="http://schemas.openxmlformats.org/drawingml/2006/main" xmlns:r="http://schemas.openxmlformats.org/officeDocument/2006/relationships" xmlns:p="http://schemas.openxmlformats.org/presentationml/2006/main">
+  <p:cSld>
+    <p:spTree>
+      <p:nvGrpSpPr>
+        <p:cNvPr id="1" name=""/>
+        <p:cNvGrpSpPr/>
+        <p:nvPr/>
+      </p:nvGrpSpPr>
+      <p:grpSpPr>
+        <a:xfrm>
+          <a:off x="0" y="0"/>
+          <a:ext cx="0" cy="0"/>
+          <a:chOff x="0" y="0"/>
+          <a:chExt cx="0" cy="0"/>
+        </a:xfrm>
+      </p:grpSpPr>
+      <p:pic>
+        <p:nvPicPr>
+          <p:cNvPr id="21" name="Picture 2" descr="http://ian.umces.edu/imagelibrary/albums/userpics/10002/normal_ian-symbol-freight-cargo-ship-1.png"/>
+          <p:cNvPicPr>
+            <a:picLocks noChangeAspect="1" noChangeArrowheads="1"/>
+          </p:cNvPicPr>
+          <p:nvPr/>
+        </p:nvPicPr>
+        <p:blipFill>
+          <a:blip r:embed="rId2" cstate="print">
+            <a:lum bright="50000" contrast="-50000"/>
+          </a:blip>
+          <a:srcRect/>
+          <a:stretch>
+            <a:fillRect/>
+          </a:stretch>
+        </p:blipFill>
+        <p:spPr bwMode="auto">
+          <a:xfrm>
+            <a:off x="1115616" y="352818"/>
+            <a:ext cx="6840760" cy="6019870"/>
+          </a:xfrm>
+          <a:prstGeom prst="rect">
+            <a:avLst/>
+          </a:prstGeom>
+          <a:noFill/>
+        </p:spPr>
+      </p:pic>
+      <p:sp>
+        <p:nvSpPr>
+          <p:cNvPr id="2" name="Titel 1"/>
+          <p:cNvSpPr>
+            <a:spLocks noGrp="1"/>
+          </p:cNvSpPr>
+          <p:nvPr>
+            <p:ph type="title"/>
+          </p:nvPr>
+        </p:nvSpPr>
+        <p:spPr>
+          <a:xfrm>
+            <a:off x="395536" y="2492896"/>
+            <a:ext cx="8229600" cy="1143000"/>
+          </a:xfrm>
+        </p:spPr>
+        <p:txBody>
+          <a:bodyPr/>
+          <a:lstStyle/>
+          <a:p>
+            <a:r>
+              <a:rPr lang="nl-NL" dirty="0" err="1" smtClean="0">
+                <a:solidFill>
+                  <a:schemeClr val="tx1">
+                    <a:lumMod val="65000"/>
+                    <a:lumOff val="35000"/>
+                  </a:schemeClr>
+                </a:solidFill>
+                <a:latin typeface="Algerian" pitchFamily="82" charset="0"/>
+              </a:rPr>
+              <a:t>Evaluation</a:t>
+            </a:r>
+            <a:endParaRPr lang="nl-NL" dirty="0">
+              <a:solidFill>
+                <a:schemeClr val="tx1">
+                  <a:lumMod val="65000"/>
+                  <a:lumOff val="35000"/>
+                </a:schemeClr>
+              </a:solidFill>
+              <a:latin typeface="Algerian" pitchFamily="82" charset="0"/>
+            </a:endParaRPr>
+          </a:p>
+        </p:txBody>
+      </p:sp>
+      <p:sp>
+        <p:nvSpPr>
+          <p:cNvPr id="9" name="Tijdelijke aanduiding voor inhoud 8"/>
+          <p:cNvSpPr>
+            <a:spLocks noGrp="1"/>
+          </p:cNvSpPr>
+          <p:nvPr>
+            <p:ph idx="1"/>
+          </p:nvPr>
+        </p:nvSpPr>
+        <p:spPr/>
+        <p:txBody>
+          <a:bodyPr/>
+          <a:lstStyle/>
+          <a:p>
+            <a:endParaRPr lang="nl-NL" dirty="0" smtClean="0"/>
+          </a:p>
+        </p:txBody>
+      </p:sp>
+    </p:spTree>
+  </p:cSld>
+  <p:clrMapOvr>
+    <a:masterClrMapping/>
+  </p:clrMapOvr>
+  <p:transition>
+    <p:fade/>
+  </p:transition>
+  <p:timing>
+    <p:tnLst>
+      <p:par>
+        <p:cTn id="1" dur="indefinite" restart="never" nodeType="tmRoot"/>
+      </p:par>
+    </p:tnLst>
+  </p:timing>
+</p:sld>
+</file>
+
+<file path=ppt/slides/slide18.xml><?xml version="1.0" encoding="utf-8"?>
+<p:sld xmlns:a="http://schemas.openxmlformats.org/drawingml/2006/main" xmlns:r="http://schemas.openxmlformats.org/officeDocument/2006/relationships" xmlns:p="http://schemas.openxmlformats.org/presentationml/2006/main">
+  <p:cSld>
+    <p:spTree>
+      <p:nvGrpSpPr>
+        <p:cNvPr id="1" name=""/>
+        <p:cNvGrpSpPr/>
+        <p:nvPr/>
+      </p:nvGrpSpPr>
+      <p:grpSpPr>
+        <a:xfrm>
+          <a:off x="0" y="0"/>
+          <a:ext cx="0" cy="0"/>
+          <a:chOff x="0" y="0"/>
+          <a:chExt cx="0" cy="0"/>
+        </a:xfrm>
+      </p:grpSpPr>
+      <p:pic>
+        <p:nvPicPr>
+          <p:cNvPr id="21" name="Picture 2" descr="http://ian.umces.edu/imagelibrary/albums/userpics/10002/normal_ian-symbol-freight-cargo-ship-1.png"/>
+          <p:cNvPicPr>
+            <a:picLocks noChangeAspect="1" noChangeArrowheads="1"/>
+          </p:cNvPicPr>
+          <p:nvPr/>
+        </p:nvPicPr>
+        <p:blipFill>
+          <a:blip r:embed="rId2" cstate="print">
+            <a:lum bright="50000" contrast="-50000"/>
+          </a:blip>
+          <a:srcRect/>
+          <a:stretch>
+            <a:fillRect/>
+          </a:stretch>
+        </p:blipFill>
+        <p:spPr bwMode="auto">
+          <a:xfrm>
+            <a:off x="1115616" y="352818"/>
+            <a:ext cx="6840760" cy="6019870"/>
+          </a:xfrm>
+          <a:prstGeom prst="rect">
+            <a:avLst/>
+          </a:prstGeom>
+          <a:noFill/>
+        </p:spPr>
+      </p:pic>
+      <p:sp>
+        <p:nvSpPr>
+          <p:cNvPr id="2" name="Titel 1"/>
+          <p:cNvSpPr>
+            <a:spLocks noGrp="1"/>
+          </p:cNvSpPr>
+          <p:nvPr>
+            <p:ph type="title"/>
+          </p:nvPr>
+        </p:nvSpPr>
+        <p:spPr/>
+        <p:txBody>
+          <a:bodyPr/>
+          <a:lstStyle/>
+          <a:p>
+            <a:r>
+              <a:rPr lang="nl-NL" dirty="0" smtClean="0">
+                <a:solidFill>
+                  <a:schemeClr val="tx1">
+                    <a:lumMod val="65000"/>
+                    <a:lumOff val="35000"/>
+                  </a:schemeClr>
+                </a:solidFill>
+                <a:latin typeface="Algerian" pitchFamily="82" charset="0"/>
+              </a:rPr>
+              <a:t>Tip &amp; </a:t>
+            </a:r>
+            <a:r>
+              <a:rPr lang="nl-NL" dirty="0" err="1" smtClean="0">
+                <a:solidFill>
+                  <a:schemeClr val="tx1">
+                    <a:lumMod val="65000"/>
+                    <a:lumOff val="35000"/>
+                  </a:schemeClr>
+                </a:solidFill>
+                <a:latin typeface="Algerian" pitchFamily="82" charset="0"/>
+              </a:rPr>
+              <a:t>questions</a:t>
+            </a:r>
+            <a:endParaRPr lang="nl-NL" dirty="0">
+              <a:solidFill>
+                <a:schemeClr val="tx1">
+                  <a:lumMod val="65000"/>
+                  <a:lumOff val="35000"/>
+                </a:schemeClr>
+              </a:solidFill>
+              <a:latin typeface="Algerian" pitchFamily="82" charset="0"/>
+            </a:endParaRPr>
+          </a:p>
+        </p:txBody>
+      </p:sp>
+      <p:sp>
+        <p:nvSpPr>
+          <p:cNvPr id="9" name="Tijdelijke aanduiding voor inhoud 8"/>
+          <p:cNvSpPr>
+            <a:spLocks noGrp="1"/>
+          </p:cNvSpPr>
+          <p:nvPr>
+            <p:ph idx="1"/>
+          </p:nvPr>
+        </p:nvSpPr>
+        <p:spPr/>
+        <p:txBody>
+          <a:bodyPr/>
+          <a:lstStyle/>
+          <a:p>
+            <a:endParaRPr lang="nl-NL" dirty="0" smtClean="0"/>
+          </a:p>
+          <a:p>
+            <a:r>
+              <a:rPr lang="nl-NL" dirty="0" smtClean="0"/>
+              <a:t>Tips </a:t>
+            </a:r>
+            <a:r>
+              <a:rPr lang="nl-NL" dirty="0" err="1" smtClean="0"/>
+              <a:t>for</a:t>
+            </a:r>
+            <a:r>
+              <a:rPr lang="nl-NL" dirty="0" smtClean="0"/>
+              <a:t> a </a:t>
+            </a:r>
+            <a:r>
+              <a:rPr lang="nl-NL" dirty="0" err="1" smtClean="0"/>
+              <a:t>next</a:t>
+            </a:r>
+            <a:r>
+              <a:rPr lang="nl-NL" dirty="0" smtClean="0"/>
+              <a:t> </a:t>
+            </a:r>
+            <a:r>
+              <a:rPr lang="nl-NL" dirty="0" err="1" smtClean="0"/>
+              <a:t>Containing</a:t>
+            </a:r>
+            <a:r>
+              <a:rPr lang="nl-NL" dirty="0" smtClean="0"/>
+              <a:t> project</a:t>
+            </a:r>
+          </a:p>
+        </p:txBody>
+      </p:sp>
+      <p:pic>
+        <p:nvPicPr>
+          <p:cNvPr id="1026" name="Picture 2" descr="http://askapsychicfree.com/f/Psychics-Questions-and-Answers.jpg"/>
+          <p:cNvPicPr>
+            <a:picLocks noChangeAspect="1" noChangeArrowheads="1"/>
+          </p:cNvPicPr>
+          <p:nvPr/>
+        </p:nvPicPr>
+        <p:blipFill>
+          <a:blip r:embed="rId3" cstate="print"/>
+          <a:srcRect/>
+          <a:stretch>
+            <a:fillRect/>
+          </a:stretch>
+        </p:blipFill>
+        <p:spPr bwMode="auto">
+          <a:xfrm>
+            <a:off x="467544" y="4293096"/>
+            <a:ext cx="2651787" cy="1988840"/>
+          </a:xfrm>
+          <a:prstGeom prst="rect">
+            <a:avLst/>
+          </a:prstGeom>
+          <a:noFill/>
+        </p:spPr>
+      </p:pic>
+    </p:spTree>
+  </p:cSld>
+  <p:clrMapOvr>
+    <a:masterClrMapping/>
+  </p:clrMapOvr>
+  <p:transition>
+    <p:fade/>
+  </p:transition>
+  <p:timing>
+    <p:tnLst>
+      <p:par>
+        <p:cTn id="1" dur="indefinite" restart="never" nodeType="tmRoot"/>
+      </p:par>
+    </p:tnLst>
+  </p:timing>
+</p:sld>
+</file>
+
 <file path=ppt/slides/slide2.xml><?xml version="1.0" encoding="utf-8"?>
 <p:sld xmlns:a="http://schemas.openxmlformats.org/drawingml/2006/main" xmlns:r="http://schemas.openxmlformats.org/officeDocument/2006/relationships" xmlns:p="http://schemas.openxmlformats.org/presentationml/2006/main">
   <p:cSld>
@@ -3469,32 +4838,6 @@
               <a:t>Server</a:t>
             </a:r>
           </a:p>
-          <a:p>
-            <a:pPr lvl="1">
-              <a:buFont typeface="Arial" pitchFamily="34" charset="0"/>
-              <a:buChar char="•"/>
-            </a:pPr>
-            <a:r>
-              <a:rPr lang="nl-NL" sz="2200" dirty="0" smtClean="0"/>
-              <a:t>XML </a:t>
-            </a:r>
-            <a:r>
-              <a:rPr lang="nl-NL" sz="2200" dirty="0" err="1" smtClean="0"/>
-              <a:t>parser</a:t>
-            </a:r>
-            <a:endParaRPr lang="nl-NL" sz="2200" dirty="0" smtClean="0"/>
-          </a:p>
-          <a:p>
-            <a:pPr lvl="1">
-              <a:buFont typeface="Arial" pitchFamily="34" charset="0"/>
-              <a:buChar char="•"/>
-            </a:pPr>
-            <a:r>
-              <a:rPr lang="nl-NL" sz="2200" dirty="0" err="1" smtClean="0"/>
-              <a:t>Sync</a:t>
-            </a:r>
-            <a:endParaRPr lang="nl-NL" sz="2200" dirty="0" smtClean="0"/>
-          </a:p>
         </p:txBody>
       </p:sp>
       <p:sp>
@@ -3516,105 +4859,40 @@
               <a:defRPr/>
             </a:pPr>
             <a:r>
-              <a:rPr lang="nl-NL" sz="2200" dirty="0"/>
+              <a:rPr lang="nl-NL" sz="2200" dirty="0" smtClean="0"/>
               <a:t>Protocol</a:t>
             </a:r>
-          </a:p>
-          <a:p>
-            <a:pPr marL="800100" lvl="1" indent="-342900">
-              <a:buFont typeface="Arial" pitchFamily="34" charset="0"/>
-              <a:buChar char="•"/>
-            </a:pPr>
-            <a:r>
-              <a:rPr lang="nl-NL" sz="2200" dirty="0" err="1" smtClean="0"/>
-              <a:t>Send</a:t>
-            </a:r>
-            <a:r>
-              <a:rPr lang="nl-NL" sz="2200" dirty="0" smtClean="0"/>
-              <a:t> data</a:t>
-            </a:r>
-            <a:endParaRPr lang="nl-NL" sz="2200" dirty="0"/>
           </a:p>
           <a:p>
             <a:pPr lvl="0">
               <a:defRPr/>
             </a:pPr>
             <a:r>
+              <a:rPr lang="nl-NL" sz="2200" dirty="0" err="1" smtClean="0"/>
+              <a:t>Client</a:t>
+            </a:r>
+            <a:endParaRPr lang="nl-NL" sz="2200" dirty="0"/>
+          </a:p>
+          <a:p>
+            <a:r>
+              <a:rPr lang="nl-NL" sz="2200" dirty="0" smtClean="0"/>
+              <a:t>Management </a:t>
+            </a:r>
+            <a:r>
               <a:rPr lang="nl-NL" sz="2200" dirty="0"/>
-              <a:t>Client</a:t>
-            </a:r>
-          </a:p>
-          <a:p>
-            <a:pPr marL="800100" lvl="1" indent="-342900">
-              <a:buFont typeface="Arial" pitchFamily="34" charset="0"/>
-              <a:buChar char="•"/>
-            </a:pPr>
-            <a:r>
-              <a:rPr lang="nl-NL" sz="2200" dirty="0" smtClean="0"/>
-              <a:t>Receive data</a:t>
-            </a:r>
-          </a:p>
-          <a:p>
-            <a:pPr marL="800100" lvl="1" indent="-342900">
-              <a:buFont typeface="Arial" pitchFamily="34" charset="0"/>
-              <a:buChar char="•"/>
-            </a:pPr>
-            <a:r>
-              <a:rPr lang="nl-NL" sz="2200" dirty="0" err="1"/>
-              <a:t>Process</a:t>
-            </a:r>
-            <a:r>
-              <a:rPr lang="nl-NL" sz="2200" dirty="0"/>
-              <a:t> data</a:t>
-            </a:r>
-          </a:p>
-          <a:p>
-            <a:pPr marL="800100" lvl="1" indent="-342900">
-              <a:buFont typeface="Arial" pitchFamily="34" charset="0"/>
-              <a:buChar char="•"/>
-            </a:pPr>
-            <a:r>
-              <a:rPr lang="nl-NL" sz="2200" baseline="0" dirty="0" err="1" smtClean="0"/>
-              <a:t>Simulation</a:t>
-            </a:r>
-            <a:endParaRPr lang="nl-NL" sz="2200" baseline="0" dirty="0" smtClean="0"/>
-          </a:p>
-          <a:p>
-            <a:r>
-              <a:rPr lang="nl-NL" sz="2200" dirty="0"/>
-              <a:t>Management interface</a:t>
-            </a:r>
-          </a:p>
-          <a:p>
-            <a:r>
-              <a:rPr lang="nl-NL" sz="2200" dirty="0" err="1"/>
+              <a:t>interface</a:t>
+            </a:r>
+          </a:p>
+          <a:p>
+            <a:r>
+              <a:rPr lang="nl-NL" sz="2200" dirty="0" err="1" smtClean="0"/>
               <a:t>Testing</a:t>
             </a:r>
-            <a:endParaRPr lang="nl-NL" sz="2200" dirty="0"/>
-          </a:p>
-          <a:p>
-            <a:pPr marL="800100" lvl="1" indent="-342900">
-              <a:buFont typeface="Arial" pitchFamily="34" charset="0"/>
-              <a:buChar char="•"/>
-            </a:pPr>
-            <a:r>
-              <a:rPr lang="nl-NL" sz="2200" dirty="0" smtClean="0"/>
-              <a:t>Different tests</a:t>
-            </a:r>
-          </a:p>
-          <a:p>
-            <a:pPr marL="800100" lvl="1" indent="-342900">
-              <a:buFont typeface="Arial" pitchFamily="34" charset="0"/>
-              <a:buChar char="•"/>
-            </a:pPr>
-            <a:r>
-              <a:rPr lang="nl-NL" sz="2200" dirty="0"/>
-              <a:t>Unit tests</a:t>
-            </a:r>
-          </a:p>
-          <a:p>
-            <a:r>
-              <a:rPr lang="nl-NL" sz="2200" dirty="0" err="1"/>
+            <a:endParaRPr lang="nl-NL" sz="2200" dirty="0" smtClean="0"/>
+          </a:p>
+          <a:p>
+            <a:r>
+              <a:rPr lang="nl-NL" sz="2200" dirty="0" err="1" smtClean="0"/>
               <a:t>Demonstration</a:t>
             </a:r>
             <a:endParaRPr lang="nl-NL" sz="2200" dirty="0"/>
@@ -4016,9 +5294,65 @@
           </a:p>
         </p:txBody>
       </p:sp>
+      <p:sp>
+        <p:nvSpPr>
+          <p:cNvPr id="9" name="Tijdelijke aanduiding voor inhoud 8"/>
+          <p:cNvSpPr>
+            <a:spLocks noGrp="1"/>
+          </p:cNvSpPr>
+          <p:nvPr>
+            <p:ph sz="half" idx="1"/>
+          </p:nvPr>
+        </p:nvSpPr>
+        <p:spPr/>
+        <p:txBody>
+          <a:bodyPr/>
+          <a:lstStyle/>
+          <a:p>
+            <a:endParaRPr lang="nl-NL" dirty="0" smtClean="0"/>
+          </a:p>
+          <a:p>
+            <a:endParaRPr lang="nl-NL" dirty="0" smtClean="0"/>
+          </a:p>
+          <a:p>
+            <a:endParaRPr lang="nl-NL" dirty="0" smtClean="0"/>
+          </a:p>
+          <a:p>
+            <a:r>
+              <a:rPr lang="nl-NL" dirty="0" smtClean="0"/>
+              <a:t>Port of Rotterdam</a:t>
+            </a:r>
+          </a:p>
+          <a:p>
+            <a:r>
+              <a:rPr lang="nl-NL" dirty="0" smtClean="0"/>
+              <a:t>Controller &amp; Simulator</a:t>
+            </a:r>
+          </a:p>
+        </p:txBody>
+      </p:sp>
+      <p:sp>
+        <p:nvSpPr>
+          <p:cNvPr id="10" name="Tijdelijke aanduiding voor inhoud 9"/>
+          <p:cNvSpPr>
+            <a:spLocks noGrp="1"/>
+          </p:cNvSpPr>
+          <p:nvPr>
+            <p:ph sz="half" idx="2"/>
+          </p:nvPr>
+        </p:nvSpPr>
+        <p:spPr/>
+        <p:txBody>
+          <a:bodyPr/>
+          <a:lstStyle/>
+          <a:p>
+            <a:endParaRPr lang="nl-NL"/>
+          </a:p>
+        </p:txBody>
+      </p:sp>
       <p:pic>
         <p:nvPicPr>
-          <p:cNvPr id="15" name="Afbeelding 14" descr="astah.gif"/>
+          <p:cNvPr id="17" name="Afbeelding 16" descr="container.jpg"/>
           <p:cNvPicPr/>
           <p:nvPr/>
         </p:nvPicPr>
@@ -4040,22 +5374,18 @@
           </a:stretch>
         </p:blipFill>
         <p:spPr>
-          <a:xfrm>
-            <a:off x="539552" y="2276872"/>
-            <a:ext cx="2667000" cy="1181100"/>
+          <a:xfrm rot="1192912">
+            <a:off x="5838527" y="3610518"/>
+            <a:ext cx="3084201" cy="1841828"/>
           </a:xfrm>
           <a:prstGeom prst="rect">
             <a:avLst/>
           </a:prstGeom>
-          <a:noFill/>
-          <a:ln>
-            <a:noFill/>
-          </a:ln>
         </p:spPr>
       </p:pic>
       <p:pic>
         <p:nvPicPr>
-          <p:cNvPr id="18" name="Afbeelding 17" descr="crane.jpg"/>
+          <p:cNvPr id="20" name="Afbeelding 19" descr="jmonkey.jpg"/>
           <p:cNvPicPr/>
           <p:nvPr/>
         </p:nvPicPr>
@@ -4078,8 +5408,8 @@
         </p:blipFill>
         <p:spPr>
           <a:xfrm>
-            <a:off x="2843808" y="1412776"/>
-            <a:ext cx="3089920" cy="2267719"/>
+            <a:off x="5796136" y="980728"/>
+            <a:ext cx="2857500" cy="2857500"/>
           </a:xfrm>
           <a:prstGeom prst="rect">
             <a:avLst/>
@@ -4111,7 +5441,7 @@
         </p:blipFill>
         <p:spPr>
           <a:xfrm rot="20908213">
-            <a:off x="4369006" y="3878095"/>
+            <a:off x="4060620" y="3643604"/>
             <a:ext cx="4566295" cy="2549277"/>
           </a:xfrm>
           <a:prstGeom prst="rect">
@@ -4121,7 +5451,7 @@
       </p:pic>
       <p:pic>
         <p:nvPicPr>
-          <p:cNvPr id="17" name="Afbeelding 16" descr="container.jpg"/>
+          <p:cNvPr id="15" name="Afbeelding 14" descr="astah.gif"/>
           <p:cNvPicPr/>
           <p:nvPr/>
         </p:nvPicPr>
@@ -4143,18 +5473,22 @@
           </a:stretch>
         </p:blipFill>
         <p:spPr>
-          <a:xfrm rot="1192912">
-            <a:off x="1120862" y="4258591"/>
-            <a:ext cx="3084201" cy="1841828"/>
+          <a:xfrm>
+            <a:off x="5652120" y="5373216"/>
+            <a:ext cx="2667000" cy="1181100"/>
           </a:xfrm>
           <a:prstGeom prst="rect">
             <a:avLst/>
           </a:prstGeom>
+          <a:noFill/>
+          <a:ln>
+            <a:noFill/>
+          </a:ln>
         </p:spPr>
       </p:pic>
       <p:pic>
         <p:nvPicPr>
-          <p:cNvPr id="20" name="Afbeelding 19" descr="jmonkey.jpg"/>
+          <p:cNvPr id="18" name="Afbeelding 17" descr="crane.jpg"/>
           <p:cNvPicPr/>
           <p:nvPr/>
         </p:nvPicPr>
@@ -4177,14 +5511,768 @@
         </p:blipFill>
         <p:spPr>
           <a:xfrm>
-            <a:off x="5940152" y="1268760"/>
-            <a:ext cx="2857500" cy="2857500"/>
+            <a:off x="4211960" y="2132856"/>
+            <a:ext cx="3089920" cy="2267719"/>
           </a:xfrm>
           <a:prstGeom prst="rect">
             <a:avLst/>
           </a:prstGeom>
         </p:spPr>
       </p:pic>
+    </p:spTree>
+  </p:cSld>
+  <p:clrMapOvr>
+    <a:masterClrMapping/>
+  </p:clrMapOvr>
+  <p:transition>
+    <p:fade/>
+  </p:transition>
+  <p:timing>
+    <p:tnLst>
+      <p:par>
+        <p:cTn id="1" dur="indefinite" restart="never" nodeType="tmRoot"/>
+      </p:par>
+    </p:tnLst>
+  </p:timing>
+</p:sld>
+</file>
+
+<file path=ppt/slides/slide5.xml><?xml version="1.0" encoding="utf-8"?>
+<p:sld xmlns:a="http://schemas.openxmlformats.org/drawingml/2006/main" xmlns:r="http://schemas.openxmlformats.org/officeDocument/2006/relationships" xmlns:p="http://schemas.openxmlformats.org/presentationml/2006/main">
+  <p:cSld>
+    <p:spTree>
+      <p:nvGrpSpPr>
+        <p:cNvPr id="1" name=""/>
+        <p:cNvGrpSpPr/>
+        <p:nvPr/>
+      </p:nvGrpSpPr>
+      <p:grpSpPr>
+        <a:xfrm>
+          <a:off x="0" y="0"/>
+          <a:ext cx="0" cy="0"/>
+          <a:chOff x="0" y="0"/>
+          <a:chExt cx="0" cy="0"/>
+        </a:xfrm>
+      </p:grpSpPr>
+      <p:pic>
+        <p:nvPicPr>
+          <p:cNvPr id="21" name="Picture 2" descr="http://ian.umces.edu/imagelibrary/albums/userpics/10002/normal_ian-symbol-freight-cargo-ship-1.png"/>
+          <p:cNvPicPr>
+            <a:picLocks noChangeAspect="1" noChangeArrowheads="1"/>
+          </p:cNvPicPr>
+          <p:nvPr/>
+        </p:nvPicPr>
+        <p:blipFill>
+          <a:blip r:embed="rId2" cstate="print">
+            <a:lum bright="50000" contrast="-50000"/>
+          </a:blip>
+          <a:srcRect/>
+          <a:stretch>
+            <a:fillRect/>
+          </a:stretch>
+        </p:blipFill>
+        <p:spPr bwMode="auto">
+          <a:xfrm>
+            <a:off x="1115616" y="352818"/>
+            <a:ext cx="6840760" cy="6019870"/>
+          </a:xfrm>
+          <a:prstGeom prst="rect">
+            <a:avLst/>
+          </a:prstGeom>
+          <a:noFill/>
+        </p:spPr>
+      </p:pic>
+      <p:sp>
+        <p:nvSpPr>
+          <p:cNvPr id="2" name="Titel 1"/>
+          <p:cNvSpPr>
+            <a:spLocks noGrp="1"/>
+          </p:cNvSpPr>
+          <p:nvPr>
+            <p:ph type="title"/>
+          </p:nvPr>
+        </p:nvSpPr>
+        <p:spPr/>
+        <p:txBody>
+          <a:bodyPr>
+            <a:normAutofit fontScale="90000"/>
+          </a:bodyPr>
+          <a:lstStyle/>
+          <a:p>
+            <a:r>
+              <a:rPr lang="nl-NL" dirty="0" err="1" smtClean="0">
+                <a:solidFill>
+                  <a:schemeClr val="tx1">
+                    <a:lumMod val="65000"/>
+                    <a:lumOff val="35000"/>
+                  </a:schemeClr>
+                </a:solidFill>
+                <a:latin typeface="Algerian" pitchFamily="82" charset="0"/>
+              </a:rPr>
+              <a:t>Allocation</a:t>
+            </a:r>
+            <a:r>
+              <a:rPr lang="nl-NL" dirty="0" smtClean="0">
+                <a:solidFill>
+                  <a:schemeClr val="tx1">
+                    <a:lumMod val="65000"/>
+                    <a:lumOff val="35000"/>
+                  </a:schemeClr>
+                </a:solidFill>
+                <a:latin typeface="Algerian" pitchFamily="82" charset="0"/>
+              </a:rPr>
+              <a:t> of </a:t>
+            </a:r>
+            <a:r>
+              <a:rPr lang="nl-NL" dirty="0" err="1" smtClean="0">
+                <a:solidFill>
+                  <a:schemeClr val="tx1">
+                    <a:lumMod val="65000"/>
+                    <a:lumOff val="35000"/>
+                  </a:schemeClr>
+                </a:solidFill>
+                <a:latin typeface="Algerian" pitchFamily="82" charset="0"/>
+              </a:rPr>
+              <a:t>roles</a:t>
+            </a:r>
+            <a:r>
+              <a:rPr lang="nl-NL" dirty="0" smtClean="0">
+                <a:solidFill>
+                  <a:schemeClr val="tx1">
+                    <a:lumMod val="65000"/>
+                    <a:lumOff val="35000"/>
+                  </a:schemeClr>
+                </a:solidFill>
+                <a:latin typeface="Algerian" pitchFamily="82" charset="0"/>
+              </a:rPr>
+              <a:t> &amp; </a:t>
+            </a:r>
+            <a:r>
+              <a:rPr lang="nl-NL" dirty="0" err="1" smtClean="0">
+                <a:solidFill>
+                  <a:schemeClr val="tx1">
+                    <a:lumMod val="65000"/>
+                    <a:lumOff val="35000"/>
+                  </a:schemeClr>
+                </a:solidFill>
+                <a:latin typeface="Algerian" pitchFamily="82" charset="0"/>
+              </a:rPr>
+              <a:t>responsibilities</a:t>
+            </a:r>
+            <a:endParaRPr lang="nl-NL" dirty="0">
+              <a:solidFill>
+                <a:schemeClr val="tx1">
+                  <a:lumMod val="65000"/>
+                  <a:lumOff val="35000"/>
+                </a:schemeClr>
+              </a:solidFill>
+              <a:latin typeface="Algerian" pitchFamily="82" charset="0"/>
+            </a:endParaRPr>
+          </a:p>
+        </p:txBody>
+      </p:sp>
+      <p:sp>
+        <p:nvSpPr>
+          <p:cNvPr id="9" name="Tijdelijke aanduiding voor inhoud 8"/>
+          <p:cNvSpPr>
+            <a:spLocks noGrp="1"/>
+          </p:cNvSpPr>
+          <p:nvPr>
+            <p:ph idx="1"/>
+          </p:nvPr>
+        </p:nvSpPr>
+        <p:spPr/>
+        <p:txBody>
+          <a:bodyPr/>
+          <a:lstStyle/>
+          <a:p>
+            <a:endParaRPr lang="nl-NL" dirty="0" smtClean="0"/>
+          </a:p>
+          <a:p>
+            <a:r>
+              <a:rPr lang="nl-NL" dirty="0" smtClean="0"/>
+              <a:t>Manager</a:t>
+            </a:r>
+          </a:p>
+          <a:p>
+            <a:r>
+              <a:rPr lang="nl-NL" dirty="0" err="1" smtClean="0"/>
+              <a:t>Documentarian</a:t>
+            </a:r>
+            <a:endParaRPr lang="nl-NL" dirty="0" smtClean="0"/>
+          </a:p>
+          <a:p>
+            <a:r>
+              <a:rPr lang="nl-NL" dirty="0" err="1" smtClean="0"/>
+              <a:t>Secretary</a:t>
+            </a:r>
+            <a:endParaRPr lang="nl-NL" dirty="0"/>
+          </a:p>
+        </p:txBody>
+      </p:sp>
+    </p:spTree>
+  </p:cSld>
+  <p:clrMapOvr>
+    <a:masterClrMapping/>
+  </p:clrMapOvr>
+  <p:transition>
+    <p:fade/>
+  </p:transition>
+  <p:timing>
+    <p:tnLst>
+      <p:par>
+        <p:cTn id="1" dur="indefinite" restart="never" nodeType="tmRoot"/>
+      </p:par>
+    </p:tnLst>
+  </p:timing>
+</p:sld>
+</file>
+
+<file path=ppt/slides/slide6.xml><?xml version="1.0" encoding="utf-8"?>
+<p:sld xmlns:a="http://schemas.openxmlformats.org/drawingml/2006/main" xmlns:r="http://schemas.openxmlformats.org/officeDocument/2006/relationships" xmlns:p="http://schemas.openxmlformats.org/presentationml/2006/main">
+  <p:cSld>
+    <p:spTree>
+      <p:nvGrpSpPr>
+        <p:cNvPr id="1" name=""/>
+        <p:cNvGrpSpPr/>
+        <p:nvPr/>
+      </p:nvGrpSpPr>
+      <p:grpSpPr>
+        <a:xfrm>
+          <a:off x="0" y="0"/>
+          <a:ext cx="0" cy="0"/>
+          <a:chOff x="0" y="0"/>
+          <a:chExt cx="0" cy="0"/>
+        </a:xfrm>
+      </p:grpSpPr>
+      <p:pic>
+        <p:nvPicPr>
+          <p:cNvPr id="21" name="Picture 2" descr="http://ian.umces.edu/imagelibrary/albums/userpics/10002/normal_ian-symbol-freight-cargo-ship-1.png"/>
+          <p:cNvPicPr>
+            <a:picLocks noChangeAspect="1" noChangeArrowheads="1"/>
+          </p:cNvPicPr>
+          <p:nvPr/>
+        </p:nvPicPr>
+        <p:blipFill>
+          <a:blip r:embed="rId2" cstate="print">
+            <a:lum bright="50000" contrast="-50000"/>
+          </a:blip>
+          <a:srcRect/>
+          <a:stretch>
+            <a:fillRect/>
+          </a:stretch>
+        </p:blipFill>
+        <p:spPr bwMode="auto">
+          <a:xfrm>
+            <a:off x="1115616" y="352818"/>
+            <a:ext cx="6840760" cy="6019870"/>
+          </a:xfrm>
+          <a:prstGeom prst="rect">
+            <a:avLst/>
+          </a:prstGeom>
+          <a:noFill/>
+        </p:spPr>
+      </p:pic>
+      <p:sp>
+        <p:nvSpPr>
+          <p:cNvPr id="2" name="Titel 1"/>
+          <p:cNvSpPr>
+            <a:spLocks noGrp="1"/>
+          </p:cNvSpPr>
+          <p:nvPr>
+            <p:ph type="title"/>
+          </p:nvPr>
+        </p:nvSpPr>
+        <p:spPr/>
+        <p:txBody>
+          <a:bodyPr/>
+          <a:lstStyle/>
+          <a:p>
+            <a:r>
+              <a:rPr lang="nl-NL" dirty="0" err="1" smtClean="0">
+                <a:solidFill>
+                  <a:schemeClr val="tx1">
+                    <a:lumMod val="65000"/>
+                    <a:lumOff val="35000"/>
+                  </a:schemeClr>
+                </a:solidFill>
+                <a:latin typeface="Algerian" pitchFamily="82" charset="0"/>
+              </a:rPr>
+              <a:t>Approach</a:t>
+            </a:r>
+            <a:endParaRPr lang="nl-NL" dirty="0">
+              <a:solidFill>
+                <a:schemeClr val="tx1">
+                  <a:lumMod val="65000"/>
+                  <a:lumOff val="35000"/>
+                </a:schemeClr>
+              </a:solidFill>
+              <a:latin typeface="Algerian" pitchFamily="82" charset="0"/>
+            </a:endParaRPr>
+          </a:p>
+        </p:txBody>
+      </p:sp>
+      <p:sp>
+        <p:nvSpPr>
+          <p:cNvPr id="9" name="Tijdelijke aanduiding voor inhoud 8"/>
+          <p:cNvSpPr>
+            <a:spLocks noGrp="1"/>
+          </p:cNvSpPr>
+          <p:nvPr>
+            <p:ph idx="1"/>
+          </p:nvPr>
+        </p:nvSpPr>
+        <p:spPr/>
+        <p:txBody>
+          <a:bodyPr/>
+          <a:lstStyle/>
+          <a:p>
+            <a:endParaRPr lang="nl-NL" dirty="0" smtClean="0"/>
+          </a:p>
+          <a:p>
+            <a:r>
+              <a:rPr lang="nl-NL" dirty="0" err="1" smtClean="0"/>
+              <a:t>Analysing</a:t>
+            </a:r>
+            <a:r>
+              <a:rPr lang="nl-NL" dirty="0" smtClean="0"/>
+              <a:t> the project</a:t>
+            </a:r>
+          </a:p>
+          <a:p>
+            <a:r>
+              <a:rPr lang="nl-NL" dirty="0" smtClean="0"/>
+              <a:t>Plan</a:t>
+            </a:r>
+          </a:p>
+          <a:p>
+            <a:r>
+              <a:rPr lang="nl-NL" dirty="0" err="1" smtClean="0"/>
+              <a:t>Assign</a:t>
+            </a:r>
+            <a:r>
+              <a:rPr lang="nl-NL" dirty="0" smtClean="0"/>
+              <a:t> </a:t>
+            </a:r>
+            <a:r>
+              <a:rPr lang="nl-NL" dirty="0" err="1" smtClean="0"/>
+              <a:t>roles</a:t>
+            </a:r>
+            <a:r>
+              <a:rPr lang="nl-NL" dirty="0" smtClean="0"/>
+              <a:t>/</a:t>
+            </a:r>
+            <a:r>
+              <a:rPr lang="nl-NL" dirty="0" err="1" smtClean="0"/>
+              <a:t>tasks</a:t>
+            </a:r>
+            <a:endParaRPr lang="nl-NL" dirty="0" smtClean="0"/>
+          </a:p>
+        </p:txBody>
+      </p:sp>
+    </p:spTree>
+  </p:cSld>
+  <p:clrMapOvr>
+    <a:masterClrMapping/>
+  </p:clrMapOvr>
+  <p:transition>
+    <p:fade/>
+  </p:transition>
+  <p:timing>
+    <p:tnLst>
+      <p:par>
+        <p:cTn id="1" dur="indefinite" restart="never" nodeType="tmRoot"/>
+      </p:par>
+    </p:tnLst>
+  </p:timing>
+</p:sld>
+</file>
+
+<file path=ppt/slides/slide7.xml><?xml version="1.0" encoding="utf-8"?>
+<p:sld xmlns:a="http://schemas.openxmlformats.org/drawingml/2006/main" xmlns:r="http://schemas.openxmlformats.org/officeDocument/2006/relationships" xmlns:p="http://schemas.openxmlformats.org/presentationml/2006/main">
+  <p:cSld>
+    <p:spTree>
+      <p:nvGrpSpPr>
+        <p:cNvPr id="1" name=""/>
+        <p:cNvGrpSpPr/>
+        <p:nvPr/>
+      </p:nvGrpSpPr>
+      <p:grpSpPr>
+        <a:xfrm>
+          <a:off x="0" y="0"/>
+          <a:ext cx="0" cy="0"/>
+          <a:chOff x="0" y="0"/>
+          <a:chExt cx="0" cy="0"/>
+        </a:xfrm>
+      </p:grpSpPr>
+      <p:pic>
+        <p:nvPicPr>
+          <p:cNvPr id="21" name="Picture 2" descr="http://ian.umces.edu/imagelibrary/albums/userpics/10002/normal_ian-symbol-freight-cargo-ship-1.png"/>
+          <p:cNvPicPr>
+            <a:picLocks noChangeAspect="1" noChangeArrowheads="1"/>
+          </p:cNvPicPr>
+          <p:nvPr/>
+        </p:nvPicPr>
+        <p:blipFill>
+          <a:blip r:embed="rId2" cstate="print">
+            <a:lum bright="50000" contrast="-50000"/>
+          </a:blip>
+          <a:srcRect/>
+          <a:stretch>
+            <a:fillRect/>
+          </a:stretch>
+        </p:blipFill>
+        <p:spPr bwMode="auto">
+          <a:xfrm>
+            <a:off x="1115616" y="352818"/>
+            <a:ext cx="6840760" cy="6019870"/>
+          </a:xfrm>
+          <a:prstGeom prst="rect">
+            <a:avLst/>
+          </a:prstGeom>
+          <a:noFill/>
+        </p:spPr>
+      </p:pic>
+      <p:sp>
+        <p:nvSpPr>
+          <p:cNvPr id="2" name="Titel 1"/>
+          <p:cNvSpPr>
+            <a:spLocks noGrp="1"/>
+          </p:cNvSpPr>
+          <p:nvPr>
+            <p:ph type="title"/>
+          </p:nvPr>
+        </p:nvSpPr>
+        <p:spPr/>
+        <p:txBody>
+          <a:bodyPr/>
+          <a:lstStyle/>
+          <a:p>
+            <a:r>
+              <a:rPr lang="nl-NL" dirty="0" err="1" smtClean="0">
+                <a:solidFill>
+                  <a:schemeClr val="tx1">
+                    <a:lumMod val="65000"/>
+                    <a:lumOff val="35000"/>
+                  </a:schemeClr>
+                </a:solidFill>
+                <a:latin typeface="Algerian" pitchFamily="82" charset="0"/>
+              </a:rPr>
+              <a:t>Analysis</a:t>
+            </a:r>
+            <a:endParaRPr lang="nl-NL" dirty="0">
+              <a:solidFill>
+                <a:schemeClr val="tx1">
+                  <a:lumMod val="65000"/>
+                  <a:lumOff val="35000"/>
+                </a:schemeClr>
+              </a:solidFill>
+              <a:latin typeface="Algerian" pitchFamily="82" charset="0"/>
+            </a:endParaRPr>
+          </a:p>
+        </p:txBody>
+      </p:sp>
+      <p:sp>
+        <p:nvSpPr>
+          <p:cNvPr id="9" name="Tijdelijke aanduiding voor inhoud 8"/>
+          <p:cNvSpPr>
+            <a:spLocks noGrp="1"/>
+          </p:cNvSpPr>
+          <p:nvPr>
+            <p:ph idx="1"/>
+          </p:nvPr>
+        </p:nvSpPr>
+        <p:spPr/>
+        <p:txBody>
+          <a:bodyPr/>
+          <a:lstStyle/>
+          <a:p>
+            <a:endParaRPr lang="nl-NL" dirty="0" smtClean="0"/>
+          </a:p>
+          <a:p>
+            <a:r>
+              <a:rPr lang="nl-NL" dirty="0" smtClean="0"/>
+              <a:t>Java</a:t>
+            </a:r>
+          </a:p>
+          <a:p>
+            <a:r>
+              <a:rPr lang="nl-NL" dirty="0" err="1" smtClean="0"/>
+              <a:t>Used</a:t>
+            </a:r>
+            <a:r>
+              <a:rPr lang="nl-NL" dirty="0" smtClean="0"/>
+              <a:t> tools</a:t>
+            </a:r>
+          </a:p>
+        </p:txBody>
+      </p:sp>
+    </p:spTree>
+  </p:cSld>
+  <p:clrMapOvr>
+    <a:masterClrMapping/>
+  </p:clrMapOvr>
+  <p:transition>
+    <p:fade/>
+  </p:transition>
+  <p:timing>
+    <p:tnLst>
+      <p:par>
+        <p:cTn id="1" dur="indefinite" restart="never" nodeType="tmRoot"/>
+      </p:par>
+    </p:tnLst>
+  </p:timing>
+</p:sld>
+</file>
+
+<file path=ppt/slides/slide8.xml><?xml version="1.0" encoding="utf-8"?>
+<p:sld xmlns:a="http://schemas.openxmlformats.org/drawingml/2006/main" xmlns:r="http://schemas.openxmlformats.org/officeDocument/2006/relationships" xmlns:p="http://schemas.openxmlformats.org/presentationml/2006/main">
+  <p:cSld>
+    <p:spTree>
+      <p:nvGrpSpPr>
+        <p:cNvPr id="1" name=""/>
+        <p:cNvGrpSpPr/>
+        <p:nvPr/>
+      </p:nvGrpSpPr>
+      <p:grpSpPr>
+        <a:xfrm>
+          <a:off x="0" y="0"/>
+          <a:ext cx="0" cy="0"/>
+          <a:chOff x="0" y="0"/>
+          <a:chExt cx="0" cy="0"/>
+        </a:xfrm>
+      </p:grpSpPr>
+      <p:pic>
+        <p:nvPicPr>
+          <p:cNvPr id="21" name="Picture 2" descr="http://ian.umces.edu/imagelibrary/albums/userpics/10002/normal_ian-symbol-freight-cargo-ship-1.png"/>
+          <p:cNvPicPr>
+            <a:picLocks noChangeAspect="1" noChangeArrowheads="1"/>
+          </p:cNvPicPr>
+          <p:nvPr/>
+        </p:nvPicPr>
+        <p:blipFill>
+          <a:blip r:embed="rId2" cstate="print">
+            <a:lum bright="50000" contrast="-50000"/>
+          </a:blip>
+          <a:srcRect/>
+          <a:stretch>
+            <a:fillRect/>
+          </a:stretch>
+        </p:blipFill>
+        <p:spPr bwMode="auto">
+          <a:xfrm>
+            <a:off x="1115616" y="352818"/>
+            <a:ext cx="6840760" cy="6019870"/>
+          </a:xfrm>
+          <a:prstGeom prst="rect">
+            <a:avLst/>
+          </a:prstGeom>
+          <a:noFill/>
+        </p:spPr>
+      </p:pic>
+      <p:sp>
+        <p:nvSpPr>
+          <p:cNvPr id="2" name="Titel 1"/>
+          <p:cNvSpPr>
+            <a:spLocks noGrp="1"/>
+          </p:cNvSpPr>
+          <p:nvPr>
+            <p:ph type="title"/>
+          </p:nvPr>
+        </p:nvSpPr>
+        <p:spPr/>
+        <p:txBody>
+          <a:bodyPr/>
+          <a:lstStyle/>
+          <a:p>
+            <a:r>
+              <a:rPr lang="nl-NL" dirty="0" err="1" smtClean="0">
+                <a:solidFill>
+                  <a:schemeClr val="tx1">
+                    <a:lumMod val="65000"/>
+                    <a:lumOff val="35000"/>
+                  </a:schemeClr>
+                </a:solidFill>
+                <a:latin typeface="Algerian" pitchFamily="82" charset="0"/>
+              </a:rPr>
+              <a:t>Analysis</a:t>
+            </a:r>
+            <a:r>
+              <a:rPr lang="nl-NL" dirty="0" smtClean="0">
+                <a:solidFill>
+                  <a:schemeClr val="tx1">
+                    <a:lumMod val="65000"/>
+                    <a:lumOff val="35000"/>
+                  </a:schemeClr>
+                </a:solidFill>
+                <a:latin typeface="Algerian" pitchFamily="82" charset="0"/>
+              </a:rPr>
+              <a:t> server</a:t>
+            </a:r>
+            <a:endParaRPr lang="nl-NL" dirty="0">
+              <a:solidFill>
+                <a:schemeClr val="tx1">
+                  <a:lumMod val="65000"/>
+                  <a:lumOff val="35000"/>
+                </a:schemeClr>
+              </a:solidFill>
+              <a:latin typeface="Algerian" pitchFamily="82" charset="0"/>
+            </a:endParaRPr>
+          </a:p>
+        </p:txBody>
+      </p:sp>
+      <p:sp>
+        <p:nvSpPr>
+          <p:cNvPr id="9" name="Tijdelijke aanduiding voor inhoud 8"/>
+          <p:cNvSpPr>
+            <a:spLocks noGrp="1"/>
+          </p:cNvSpPr>
+          <p:nvPr>
+            <p:ph idx="1"/>
+          </p:nvPr>
+        </p:nvSpPr>
+        <p:spPr/>
+        <p:txBody>
+          <a:bodyPr/>
+          <a:lstStyle/>
+          <a:p>
+            <a:endParaRPr lang="nl-NL" dirty="0" smtClean="0"/>
+          </a:p>
+        </p:txBody>
+      </p:sp>
+    </p:spTree>
+  </p:cSld>
+  <p:clrMapOvr>
+    <a:masterClrMapping/>
+  </p:clrMapOvr>
+  <p:transition>
+    <p:fade/>
+  </p:transition>
+  <p:timing>
+    <p:tnLst>
+      <p:par>
+        <p:cTn id="1" dur="indefinite" restart="never" nodeType="tmRoot"/>
+      </p:par>
+    </p:tnLst>
+  </p:timing>
+</p:sld>
+</file>
+
+<file path=ppt/slides/slide9.xml><?xml version="1.0" encoding="utf-8"?>
+<p:sld xmlns:a="http://schemas.openxmlformats.org/drawingml/2006/main" xmlns:r="http://schemas.openxmlformats.org/officeDocument/2006/relationships" xmlns:p="http://schemas.openxmlformats.org/presentationml/2006/main">
+  <p:cSld>
+    <p:spTree>
+      <p:nvGrpSpPr>
+        <p:cNvPr id="1" name=""/>
+        <p:cNvGrpSpPr/>
+        <p:nvPr/>
+      </p:nvGrpSpPr>
+      <p:grpSpPr>
+        <a:xfrm>
+          <a:off x="0" y="0"/>
+          <a:ext cx="0" cy="0"/>
+          <a:chOff x="0" y="0"/>
+          <a:chExt cx="0" cy="0"/>
+        </a:xfrm>
+      </p:grpSpPr>
+      <p:pic>
+        <p:nvPicPr>
+          <p:cNvPr id="21" name="Picture 2" descr="http://ian.umces.edu/imagelibrary/albums/userpics/10002/normal_ian-symbol-freight-cargo-ship-1.png"/>
+          <p:cNvPicPr>
+            <a:picLocks noChangeAspect="1" noChangeArrowheads="1"/>
+          </p:cNvPicPr>
+          <p:nvPr/>
+        </p:nvPicPr>
+        <p:blipFill>
+          <a:blip r:embed="rId2" cstate="print">
+            <a:lum bright="50000" contrast="-50000"/>
+          </a:blip>
+          <a:srcRect/>
+          <a:stretch>
+            <a:fillRect/>
+          </a:stretch>
+        </p:blipFill>
+        <p:spPr bwMode="auto">
+          <a:xfrm>
+            <a:off x="1115616" y="352818"/>
+            <a:ext cx="6840760" cy="6019870"/>
+          </a:xfrm>
+          <a:prstGeom prst="rect">
+            <a:avLst/>
+          </a:prstGeom>
+          <a:noFill/>
+        </p:spPr>
+      </p:pic>
+      <p:sp>
+        <p:nvSpPr>
+          <p:cNvPr id="2" name="Titel 1"/>
+          <p:cNvSpPr>
+            <a:spLocks noGrp="1"/>
+          </p:cNvSpPr>
+          <p:nvPr>
+            <p:ph type="title"/>
+          </p:nvPr>
+        </p:nvSpPr>
+        <p:spPr/>
+        <p:txBody>
+          <a:bodyPr/>
+          <a:lstStyle/>
+          <a:p>
+            <a:r>
+              <a:rPr lang="nl-NL" dirty="0" err="1" smtClean="0">
+                <a:solidFill>
+                  <a:schemeClr val="tx1">
+                    <a:lumMod val="65000"/>
+                    <a:lumOff val="35000"/>
+                  </a:schemeClr>
+                </a:solidFill>
+                <a:latin typeface="Algerian" pitchFamily="82" charset="0"/>
+              </a:rPr>
+              <a:t>Analysis</a:t>
+            </a:r>
+            <a:r>
+              <a:rPr lang="nl-NL" dirty="0" smtClean="0">
+                <a:solidFill>
+                  <a:schemeClr val="tx1">
+                    <a:lumMod val="65000"/>
+                    <a:lumOff val="35000"/>
+                  </a:schemeClr>
+                </a:solidFill>
+                <a:latin typeface="Algerian" pitchFamily="82" charset="0"/>
+              </a:rPr>
+              <a:t> protocol</a:t>
+            </a:r>
+            <a:endParaRPr lang="nl-NL" dirty="0">
+              <a:solidFill>
+                <a:schemeClr val="tx1">
+                  <a:lumMod val="65000"/>
+                  <a:lumOff val="35000"/>
+                </a:schemeClr>
+              </a:solidFill>
+              <a:latin typeface="Algerian" pitchFamily="82" charset="0"/>
+            </a:endParaRPr>
+          </a:p>
+        </p:txBody>
+      </p:sp>
+      <p:sp>
+        <p:nvSpPr>
+          <p:cNvPr id="9" name="Tijdelijke aanduiding voor inhoud 8"/>
+          <p:cNvSpPr>
+            <a:spLocks noGrp="1"/>
+          </p:cNvSpPr>
+          <p:nvPr>
+            <p:ph idx="1"/>
+          </p:nvPr>
+        </p:nvSpPr>
+        <p:spPr/>
+        <p:txBody>
+          <a:bodyPr/>
+          <a:lstStyle/>
+          <a:p>
+            <a:endParaRPr lang="nl-NL" dirty="0" smtClean="0"/>
+          </a:p>
+        </p:txBody>
+      </p:sp>
     </p:spTree>
   </p:cSld>
   <p:clrMapOvr>

--- a/Documentatie/Presentatie/ContainingPresentatie.pptx
+++ b/Documentatie/Presentatie/ContainingPresentatie.pptx
@@ -3585,6 +3585,56 @@
           </a:p>
         </p:txBody>
       </p:sp>
+      <p:pic>
+        <p:nvPicPr>
+          <p:cNvPr id="5" name="Afbeelding 4" descr="xml.PNG"/>
+          <p:cNvPicPr>
+            <a:picLocks noChangeAspect="1"/>
+          </p:cNvPicPr>
+          <p:nvPr/>
+        </p:nvPicPr>
+        <p:blipFill>
+          <a:blip r:embed="rId3" cstate="print"/>
+          <a:stretch>
+            <a:fillRect/>
+          </a:stretch>
+        </p:blipFill>
+        <p:spPr>
+          <a:xfrm>
+            <a:off x="899592" y="3789040"/>
+            <a:ext cx="1976223" cy="2293603"/>
+          </a:xfrm>
+          <a:prstGeom prst="rect">
+            <a:avLst/>
+          </a:prstGeom>
+        </p:spPr>
+      </p:pic>
+      <p:pic>
+        <p:nvPicPr>
+          <p:cNvPr id="9218" name="Picture 2" descr="http://bigfamilylove.com/wp-content/uploads/heart-beat-thumb1887747.jpg"/>
+          <p:cNvPicPr>
+            <a:picLocks noChangeAspect="1" noChangeArrowheads="1"/>
+          </p:cNvPicPr>
+          <p:nvPr/>
+        </p:nvPicPr>
+        <p:blipFill>
+          <a:blip r:embed="rId4" cstate="print"/>
+          <a:srcRect/>
+          <a:stretch>
+            <a:fillRect/>
+          </a:stretch>
+        </p:blipFill>
+        <p:spPr bwMode="auto">
+          <a:xfrm>
+            <a:off x="6516216" y="548680"/>
+            <a:ext cx="1993404" cy="1993404"/>
+          </a:xfrm>
+          <a:prstGeom prst="rect">
+            <a:avLst/>
+          </a:prstGeom>
+          <a:noFill/>
+        </p:spPr>
+      </p:pic>
     </p:spTree>
   </p:cSld>
   <p:clrMapOvr>
@@ -3736,6 +3786,58 @@
           </a:p>
         </p:txBody>
       </p:sp>
+      <p:pic>
+        <p:nvPicPr>
+          <p:cNvPr id="8194" name="Picture 2" descr="http://www.clarionenterprises.com/blog/wp-content/uploads/Giving-Receiving-iStock_000014925855Small.jpg"/>
+          <p:cNvPicPr>
+            <a:picLocks noChangeAspect="1" noChangeArrowheads="1"/>
+          </p:cNvPicPr>
+          <p:nvPr/>
+        </p:nvPicPr>
+        <p:blipFill>
+          <a:blip r:embed="rId3" cstate="print"/>
+          <a:srcRect/>
+          <a:stretch>
+            <a:fillRect/>
+          </a:stretch>
+        </p:blipFill>
+        <p:spPr bwMode="auto">
+          <a:xfrm>
+            <a:off x="611560" y="4653136"/>
+            <a:ext cx="2907362" cy="1926853"/>
+          </a:xfrm>
+          <a:prstGeom prst="rect">
+            <a:avLst/>
+          </a:prstGeom>
+          <a:noFill/>
+        </p:spPr>
+      </p:pic>
+      <p:pic>
+        <p:nvPicPr>
+          <p:cNvPr id="8196" name="Picture 4" descr="http://agmarketingconsulting.com/wp-content/uploads/2013/03/strategies3.jpg"/>
+          <p:cNvPicPr>
+            <a:picLocks noChangeAspect="1" noChangeArrowheads="1"/>
+          </p:cNvPicPr>
+          <p:nvPr/>
+        </p:nvPicPr>
+        <p:blipFill>
+          <a:blip r:embed="rId4" cstate="print"/>
+          <a:srcRect/>
+          <a:stretch>
+            <a:fillRect/>
+          </a:stretch>
+        </p:blipFill>
+        <p:spPr bwMode="auto">
+          <a:xfrm>
+            <a:off x="6012160" y="404664"/>
+            <a:ext cx="2915816" cy="2061118"/>
+          </a:xfrm>
+          <a:prstGeom prst="rect">
+            <a:avLst/>
+          </a:prstGeom>
+          <a:noFill/>
+        </p:spPr>
+      </p:pic>
     </p:spTree>
   </p:cSld>
   <p:clrMapOvr>
@@ -3884,6 +3986,58 @@
           </a:p>
         </p:txBody>
       </p:sp>
+      <p:pic>
+        <p:nvPicPr>
+          <p:cNvPr id="7170" name="Picture 2" descr="http://www.simulatorcentral.com/media/catalog/product/cache/1/image/9df78eab33525d08d6e5fb8d27136e95/p/c/pc_games-simulators-port_simulator-edition_hamburg-en-screenshots-b0058n610w.pt05.jpg"/>
+          <p:cNvPicPr>
+            <a:picLocks noChangeAspect="1" noChangeArrowheads="1"/>
+          </p:cNvPicPr>
+          <p:nvPr/>
+        </p:nvPicPr>
+        <p:blipFill>
+          <a:blip r:embed="rId3" cstate="print"/>
+          <a:srcRect/>
+          <a:stretch>
+            <a:fillRect/>
+          </a:stretch>
+        </p:blipFill>
+        <p:spPr bwMode="auto">
+          <a:xfrm>
+            <a:off x="5796136" y="332656"/>
+            <a:ext cx="3152934" cy="1970584"/>
+          </a:xfrm>
+          <a:prstGeom prst="rect">
+            <a:avLst/>
+          </a:prstGeom>
+          <a:noFill/>
+        </p:spPr>
+      </p:pic>
+      <p:pic>
+        <p:nvPicPr>
+          <p:cNvPr id="7172" name="Picture 4" descr="http://www.portstrategy.com/__data/assets/image/0013/311413/varieties/carousel.jpg"/>
+          <p:cNvPicPr>
+            <a:picLocks noChangeAspect="1" noChangeArrowheads="1"/>
+          </p:cNvPicPr>
+          <p:nvPr/>
+        </p:nvPicPr>
+        <p:blipFill>
+          <a:blip r:embed="rId4" cstate="print"/>
+          <a:srcRect/>
+          <a:stretch>
+            <a:fillRect/>
+          </a:stretch>
+        </p:blipFill>
+        <p:spPr bwMode="auto">
+          <a:xfrm>
+            <a:off x="683568" y="4653136"/>
+            <a:ext cx="2886075" cy="1695451"/>
+          </a:xfrm>
+          <a:prstGeom prst="rect">
+            <a:avLst/>
+          </a:prstGeom>
+          <a:noFill/>
+        </p:spPr>
+      </p:pic>
     </p:spTree>
   </p:cSld>
   <p:clrMapOvr>
@@ -3986,25 +4140,29 @@
           </a:p>
         </p:txBody>
       </p:sp>
-      <p:sp>
-        <p:nvSpPr>
-          <p:cNvPr id="9" name="Tijdelijke aanduiding voor inhoud 8"/>
-          <p:cNvSpPr>
-            <a:spLocks noGrp="1"/>
-          </p:cNvSpPr>
+      <p:pic>
+        <p:nvPicPr>
+          <p:cNvPr id="5" name="Tijdelijke aanduiding voor inhoud 4" descr="mi.PNG"/>
+          <p:cNvPicPr>
+            <a:picLocks noGrp="1" noChangeAspect="1"/>
+          </p:cNvPicPr>
           <p:nvPr>
             <p:ph idx="1"/>
           </p:nvPr>
-        </p:nvSpPr>
-        <p:spPr/>
-        <p:txBody>
-          <a:bodyPr/>
-          <a:lstStyle/>
-          <a:p>
-            <a:endParaRPr lang="nl-NL" dirty="0" smtClean="0"/>
-          </a:p>
-        </p:txBody>
-      </p:sp>
+        </p:nvPicPr>
+        <p:blipFill>
+          <a:blip r:embed="rId3" cstate="print"/>
+          <a:stretch>
+            <a:fillRect/>
+          </a:stretch>
+        </p:blipFill>
+        <p:spPr>
+          <a:xfrm>
+            <a:off x="1907704" y="1844824"/>
+            <a:ext cx="5423118" cy="3846103"/>
+          </a:xfrm>
+        </p:spPr>
+      </p:pic>
     </p:spTree>
   </p:cSld>
   <p:clrMapOvr>
@@ -5710,6 +5868,32 @@
           </a:p>
         </p:txBody>
       </p:sp>
+      <p:pic>
+        <p:nvPicPr>
+          <p:cNvPr id="14338" name="Picture 2" descr="http://www.dorpshuisdevang.nl/pics/bestuur2.jpg"/>
+          <p:cNvPicPr>
+            <a:picLocks noChangeAspect="1" noChangeArrowheads="1"/>
+          </p:cNvPicPr>
+          <p:nvPr/>
+        </p:nvPicPr>
+        <p:blipFill>
+          <a:blip r:embed="rId3" cstate="print"/>
+          <a:srcRect/>
+          <a:stretch>
+            <a:fillRect/>
+          </a:stretch>
+        </p:blipFill>
+        <p:spPr bwMode="auto">
+          <a:xfrm>
+            <a:off x="395536" y="4149080"/>
+            <a:ext cx="3171825" cy="2276475"/>
+          </a:xfrm>
+          <a:prstGeom prst="rect">
+            <a:avLst/>
+          </a:prstGeom>
+          <a:noFill/>
+        </p:spPr>
+      </p:pic>
     </p:spTree>
   </p:cSld>
   <p:clrMapOvr>
@@ -5870,6 +6054,32 @@
           </a:p>
         </p:txBody>
       </p:sp>
+      <p:pic>
+        <p:nvPicPr>
+          <p:cNvPr id="13314" name="Picture 2" descr="http://entrepreneursystems.com/businessblog/wp-content/uploads/2010/05/planning.jpg"/>
+          <p:cNvPicPr>
+            <a:picLocks noChangeAspect="1" noChangeArrowheads="1"/>
+          </p:cNvPicPr>
+          <p:nvPr/>
+        </p:nvPicPr>
+        <p:blipFill>
+          <a:blip r:embed="rId3" cstate="print"/>
+          <a:srcRect/>
+          <a:stretch>
+            <a:fillRect/>
+          </a:stretch>
+        </p:blipFill>
+        <p:spPr bwMode="auto">
+          <a:xfrm>
+            <a:off x="1187624" y="4581128"/>
+            <a:ext cx="2265713" cy="1800200"/>
+          </a:xfrm>
+          <a:prstGeom prst="rect">
+            <a:avLst/>
+          </a:prstGeom>
+          <a:noFill/>
+        </p:spPr>
+      </p:pic>
     </p:spTree>
   </p:cSld>
   <p:clrMapOvr>
@@ -6007,6 +6217,58 @@
           </a:p>
         </p:txBody>
       </p:sp>
+      <p:pic>
+        <p:nvPicPr>
+          <p:cNvPr id="4098" name="Picture 2" descr="http://www.thetinylife.com/wp-content/uploads/2010/05/tools.jpg"/>
+          <p:cNvPicPr>
+            <a:picLocks noChangeAspect="1" noChangeArrowheads="1"/>
+          </p:cNvPicPr>
+          <p:nvPr/>
+        </p:nvPicPr>
+        <p:blipFill>
+          <a:blip r:embed="rId3" cstate="print"/>
+          <a:srcRect/>
+          <a:stretch>
+            <a:fillRect/>
+          </a:stretch>
+        </p:blipFill>
+        <p:spPr bwMode="auto">
+          <a:xfrm>
+            <a:off x="971600" y="4365104"/>
+            <a:ext cx="2376264" cy="1995072"/>
+          </a:xfrm>
+          <a:prstGeom prst="rect">
+            <a:avLst/>
+          </a:prstGeom>
+          <a:noFill/>
+        </p:spPr>
+      </p:pic>
+      <p:pic>
+        <p:nvPicPr>
+          <p:cNvPr id="6" name="Picture 4" descr="http://www.centrog.com/technology/images/java_logoTransparent.png"/>
+          <p:cNvPicPr>
+            <a:picLocks noChangeAspect="1" noChangeArrowheads="1"/>
+          </p:cNvPicPr>
+          <p:nvPr/>
+        </p:nvPicPr>
+        <p:blipFill>
+          <a:blip r:embed="rId4" cstate="print"/>
+          <a:srcRect/>
+          <a:stretch>
+            <a:fillRect/>
+          </a:stretch>
+        </p:blipFill>
+        <p:spPr bwMode="auto">
+          <a:xfrm>
+            <a:off x="6084168" y="980728"/>
+            <a:ext cx="2759733" cy="1688604"/>
+          </a:xfrm>
+          <a:prstGeom prst="rect">
+            <a:avLst/>
+          </a:prstGeom>
+          <a:noFill/>
+        </p:spPr>
+      </p:pic>
     </p:spTree>
   </p:cSld>
   <p:clrMapOvr>

--- a/Documentatie/Presentatie/ContainingPresentatie.pptx
+++ b/Documentatie/Presentatie/ContainingPresentatie.pptx
@@ -23,6 +23,7 @@
     <p:sldId id="271" r:id="rId17"/>
     <p:sldId id="272" r:id="rId18"/>
     <p:sldId id="273" r:id="rId19"/>
+    <p:sldId id="274" r:id="rId20"/>
   </p:sldIdLst>
   <p:sldSz cx="9144000" cy="6858000" type="screen4x3"/>
   <p:notesSz cx="6858000" cy="9144000"/>
@@ -3181,32 +3182,6 @@
                 <a:latin typeface="Gulim" pitchFamily="34" charset="-127"/>
                 <a:ea typeface="Gulim" pitchFamily="34" charset="-127"/>
               </a:rPr>
-              <a:t>Yme</a:t>
-            </a:r>
-            <a:r>
-              <a:rPr lang="nl-NL" dirty="0" smtClean="0">
-                <a:solidFill>
-                  <a:schemeClr val="tx1">
-                    <a:lumMod val="95000"/>
-                    <a:lumOff val="5000"/>
-                  </a:schemeClr>
-                </a:solidFill>
-                <a:latin typeface="Gulim" pitchFamily="34" charset="-127"/>
-                <a:ea typeface="Gulim" pitchFamily="34" charset="-127"/>
-              </a:rPr>
-              <a:t> van der Graaf, Remco de Bruin, Jeffrey Harders, Arjen Pander, </a:t>
-            </a:r>
-            <a:r>
-              <a:rPr lang="nl-NL" dirty="0" err="1" smtClean="0">
-                <a:solidFill>
-                  <a:schemeClr val="tx1">
-                    <a:lumMod val="95000"/>
-                    <a:lumOff val="5000"/>
-                  </a:schemeClr>
-                </a:solidFill>
-                <a:latin typeface="Gulim" pitchFamily="34" charset="-127"/>
-                <a:ea typeface="Gulim" pitchFamily="34" charset="-127"/>
-              </a:rPr>
               <a:t>Joshua</a:t>
             </a:r>
             <a:r>
@@ -3246,7 +3221,7 @@
                 <a:latin typeface="Gulim" pitchFamily="34" charset="-127"/>
                 <a:ea typeface="Gulim" pitchFamily="34" charset="-127"/>
               </a:rPr>
-              <a:t> &amp; </a:t>
+              <a:t>, Remco de Bruin, </a:t>
             </a:r>
             <a:r>
               <a:rPr lang="nl-NL" dirty="0" err="1" smtClean="0">
@@ -3286,6 +3261,45 @@
                 <a:ea typeface="Gulim" pitchFamily="34" charset="-127"/>
               </a:rPr>
               <a:t>Roo</a:t>
+            </a:r>
+            <a:r>
+              <a:rPr lang="nl-NL" dirty="0" smtClean="0">
+                <a:solidFill>
+                  <a:schemeClr val="tx1">
+                    <a:lumMod val="95000"/>
+                    <a:lumOff val="5000"/>
+                  </a:schemeClr>
+                </a:solidFill>
+                <a:latin typeface="Gulim" pitchFamily="34" charset="-127"/>
+                <a:ea typeface="Gulim" pitchFamily="34" charset="-127"/>
+              </a:rPr>
+              <a:t>, Arjen Pander, Jeffrey Harders &amp; </a:t>
+            </a:r>
+            <a:r>
+              <a:rPr lang="nl-NL" dirty="0" err="1" smtClean="0">
+                <a:solidFill>
+                  <a:schemeClr val="tx1">
+                    <a:lumMod val="95000"/>
+                    <a:lumOff val="5000"/>
+                  </a:schemeClr>
+                </a:solidFill>
+                <a:latin typeface="Gulim" pitchFamily="34" charset="-127"/>
+                <a:ea typeface="Gulim" pitchFamily="34" charset="-127"/>
+              </a:rPr>
+              <a:t>Yme</a:t>
+            </a:r>
+            <a:r>
+              <a:rPr lang="nl-NL" dirty="0" smtClean="0">
+                <a:solidFill>
+                  <a:schemeClr val="tx1">
+                    <a:lumMod val="95000"/>
+                    <a:lumOff val="5000"/>
+                  </a:schemeClr>
+                </a:solidFill>
+                <a:latin typeface="Gulim" pitchFamily="34" charset="-127"/>
+                <a:ea typeface="Gulim" pitchFamily="34" charset="-127"/>
+              </a:rPr>
+              <a:t> van der Graaf</a:t>
             </a:r>
             <a:endParaRPr lang="nl-NL" dirty="0">
               <a:solidFill>
@@ -4677,6 +4691,18 @@
           <a:lstStyle/>
           <a:p>
             <a:r>
+              <a:rPr lang="nl-NL" smtClean="0">
+                <a:solidFill>
+                  <a:schemeClr val="tx1">
+                    <a:lumMod val="65000"/>
+                    <a:lumOff val="35000"/>
+                  </a:schemeClr>
+                </a:solidFill>
+                <a:latin typeface="Algerian" pitchFamily="82" charset="0"/>
+              </a:rPr>
+              <a:t>Tips </a:t>
+            </a:r>
+            <a:r>
               <a:rPr lang="nl-NL" dirty="0" smtClean="0">
                 <a:solidFill>
                   <a:schemeClr val="tx1">
@@ -4686,7 +4712,7 @@
                 </a:solidFill>
                 <a:latin typeface="Algerian" pitchFamily="82" charset="0"/>
               </a:rPr>
-              <a:t>Tip &amp; </a:t>
+              <a:t>&amp; </a:t>
             </a:r>
             <a:r>
               <a:rPr lang="nl-NL" dirty="0" err="1" smtClean="0">
@@ -4787,6 +4813,137 @@
           <a:noFill/>
         </p:spPr>
       </p:pic>
+    </p:spTree>
+  </p:cSld>
+  <p:clrMapOvr>
+    <a:masterClrMapping/>
+  </p:clrMapOvr>
+  <p:transition>
+    <p:fade/>
+  </p:transition>
+  <p:timing>
+    <p:tnLst>
+      <p:par>
+        <p:cTn id="1" dur="indefinite" restart="never" nodeType="tmRoot"/>
+      </p:par>
+    </p:tnLst>
+  </p:timing>
+</p:sld>
+</file>
+
+<file path=ppt/slides/slide19.xml><?xml version="1.0" encoding="utf-8"?>
+<p:sld xmlns:a="http://schemas.openxmlformats.org/drawingml/2006/main" xmlns:r="http://schemas.openxmlformats.org/officeDocument/2006/relationships" xmlns:p="http://schemas.openxmlformats.org/presentationml/2006/main">
+  <p:cSld>
+    <p:spTree>
+      <p:nvGrpSpPr>
+        <p:cNvPr id="1" name=""/>
+        <p:cNvGrpSpPr/>
+        <p:nvPr/>
+      </p:nvGrpSpPr>
+      <p:grpSpPr>
+        <a:xfrm>
+          <a:off x="0" y="0"/>
+          <a:ext cx="0" cy="0"/>
+          <a:chOff x="0" y="0"/>
+          <a:chExt cx="0" cy="0"/>
+        </a:xfrm>
+      </p:grpSpPr>
+      <p:pic>
+        <p:nvPicPr>
+          <p:cNvPr id="21" name="Picture 2" descr="http://ian.umces.edu/imagelibrary/albums/userpics/10002/normal_ian-symbol-freight-cargo-ship-1.png"/>
+          <p:cNvPicPr>
+            <a:picLocks noChangeAspect="1" noChangeArrowheads="1"/>
+          </p:cNvPicPr>
+          <p:nvPr/>
+        </p:nvPicPr>
+        <p:blipFill>
+          <a:blip r:embed="rId2" cstate="print">
+            <a:lum bright="50000" contrast="-50000"/>
+          </a:blip>
+          <a:srcRect/>
+          <a:stretch>
+            <a:fillRect/>
+          </a:stretch>
+        </p:blipFill>
+        <p:spPr bwMode="auto">
+          <a:xfrm>
+            <a:off x="1115616" y="352818"/>
+            <a:ext cx="6840760" cy="6019870"/>
+          </a:xfrm>
+          <a:prstGeom prst="rect">
+            <a:avLst/>
+          </a:prstGeom>
+          <a:noFill/>
+        </p:spPr>
+      </p:pic>
+      <p:sp>
+        <p:nvSpPr>
+          <p:cNvPr id="2" name="Titel 1"/>
+          <p:cNvSpPr>
+            <a:spLocks noGrp="1"/>
+          </p:cNvSpPr>
+          <p:nvPr>
+            <p:ph type="title"/>
+          </p:nvPr>
+        </p:nvSpPr>
+        <p:spPr>
+          <a:xfrm>
+            <a:off x="395536" y="2492896"/>
+            <a:ext cx="8229600" cy="1143000"/>
+          </a:xfrm>
+        </p:spPr>
+        <p:txBody>
+          <a:bodyPr/>
+          <a:lstStyle/>
+          <a:p>
+            <a:r>
+              <a:rPr lang="nl-NL" dirty="0" err="1" smtClean="0">
+                <a:solidFill>
+                  <a:schemeClr val="tx1">
+                    <a:lumMod val="65000"/>
+                    <a:lumOff val="35000"/>
+                  </a:schemeClr>
+                </a:solidFill>
+                <a:latin typeface="Algerian" pitchFamily="82" charset="0"/>
+              </a:rPr>
+              <a:t>Demonstration</a:t>
+            </a:r>
+            <a:endParaRPr lang="nl-NL" dirty="0">
+              <a:solidFill>
+                <a:schemeClr val="tx1">
+                  <a:lumMod val="65000"/>
+                  <a:lumOff val="35000"/>
+                </a:schemeClr>
+              </a:solidFill>
+              <a:latin typeface="Algerian" pitchFamily="82" charset="0"/>
+            </a:endParaRPr>
+          </a:p>
+        </p:txBody>
+      </p:sp>
+      <p:sp>
+        <p:nvSpPr>
+          <p:cNvPr id="9" name="Tijdelijke aanduiding voor inhoud 8"/>
+          <p:cNvSpPr>
+            <a:spLocks noGrp="1"/>
+          </p:cNvSpPr>
+          <p:nvPr>
+            <p:ph idx="1"/>
+          </p:nvPr>
+        </p:nvSpPr>
+        <p:spPr>
+          <a:xfrm>
+            <a:off x="2699792" y="4077072"/>
+            <a:ext cx="8229600" cy="4525963"/>
+          </a:xfrm>
+        </p:spPr>
+        <p:txBody>
+          <a:bodyPr/>
+          <a:lstStyle/>
+          <a:p>
+            <a:endParaRPr lang="nl-NL" dirty="0" smtClean="0"/>
+          </a:p>
+        </p:txBody>
+      </p:sp>
     </p:spTree>
   </p:cSld>
   <p:clrMapOvr>
@@ -5051,6 +5208,35 @@
           <a:p>
             <a:r>
               <a:rPr lang="nl-NL" sz="2200" dirty="0" err="1" smtClean="0"/>
+              <a:t>Conclusion</a:t>
+            </a:r>
+            <a:endParaRPr lang="nl-NL" sz="2200" dirty="0" smtClean="0"/>
+          </a:p>
+          <a:p>
+            <a:r>
+              <a:rPr lang="nl-NL" sz="2200" dirty="0" err="1" smtClean="0"/>
+              <a:t>Evaluation</a:t>
+            </a:r>
+            <a:endParaRPr lang="nl-NL" sz="2200" dirty="0" smtClean="0"/>
+          </a:p>
+          <a:p>
+            <a:r>
+              <a:rPr lang="nl-NL" sz="2200" dirty="0" smtClean="0"/>
+              <a:t>Tips &amp; </a:t>
+            </a:r>
+            <a:r>
+              <a:rPr lang="nl-NL" sz="2200" dirty="0" err="1" smtClean="0"/>
+              <a:t>q</a:t>
+            </a:r>
+            <a:r>
+              <a:rPr lang="nl-NL" sz="2200" dirty="0" err="1" smtClean="0"/>
+              <a:t>uestions</a:t>
+            </a:r>
+            <a:endParaRPr lang="nl-NL" sz="2200" dirty="0" smtClean="0"/>
+          </a:p>
+          <a:p>
+            <a:r>
+              <a:rPr lang="nl-NL" sz="2200" dirty="0" err="1" smtClean="0"/>
               <a:t>Demonstration</a:t>
             </a:r>
             <a:endParaRPr lang="nl-NL" sz="2200" dirty="0"/>
@@ -5262,40 +5448,45 @@
             <a:pPr lvl="1"/>
             <a:r>
               <a:rPr lang="nl-NL" dirty="0" err="1" smtClean="0"/>
+              <a:t>Melinda</a:t>
+            </a:r>
+            <a:r>
+              <a:rPr lang="nl-NL" dirty="0" smtClean="0"/>
+              <a:t> de </a:t>
+            </a:r>
+            <a:r>
+              <a:rPr lang="nl-NL" dirty="0" err="1" smtClean="0"/>
+              <a:t>Roo</a:t>
+            </a:r>
+            <a:endParaRPr lang="nl-NL" dirty="0" smtClean="0"/>
+          </a:p>
+          <a:p>
+            <a:pPr lvl="1"/>
+            <a:r>
+              <a:rPr lang="nl-NL" dirty="0" smtClean="0"/>
+              <a:t>Arjen Pander</a:t>
+            </a:r>
+          </a:p>
+          <a:p>
+            <a:pPr lvl="1"/>
+            <a:r>
+              <a:rPr lang="nl-NL" dirty="0" smtClean="0"/>
+              <a:t>Jeffrey </a:t>
+            </a:r>
+            <a:r>
+              <a:rPr lang="nl-NL" dirty="0" smtClean="0"/>
+              <a:t>Harders</a:t>
+            </a:r>
+          </a:p>
+          <a:p>
+            <a:pPr lvl="1"/>
+            <a:r>
+              <a:rPr lang="nl-NL" dirty="0" err="1" smtClean="0"/>
               <a:t>Yme</a:t>
             </a:r>
             <a:r>
               <a:rPr lang="nl-NL" dirty="0" smtClean="0"/>
               <a:t> van der Graaf</a:t>
-            </a:r>
-          </a:p>
-          <a:p>
-            <a:pPr lvl="1"/>
-            <a:r>
-              <a:rPr lang="nl-NL" dirty="0" smtClean="0"/>
-              <a:t>Jeffrey Harders</a:t>
-            </a:r>
-          </a:p>
-          <a:p>
-            <a:pPr lvl="1"/>
-            <a:r>
-              <a:rPr lang="nl-NL" dirty="0" smtClean="0"/>
-              <a:t>Arjen Pander</a:t>
-            </a:r>
-          </a:p>
-          <a:p>
-            <a:pPr lvl="1"/>
-            <a:r>
-              <a:rPr lang="nl-NL" dirty="0" err="1" smtClean="0"/>
-              <a:t>Melinda</a:t>
-            </a:r>
-            <a:r>
-              <a:rPr lang="nl-NL" dirty="0" smtClean="0"/>
-              <a:t> de </a:t>
-            </a:r>
-            <a:r>
-              <a:rPr lang="nl-NL" dirty="0" err="1" smtClean="0"/>
-              <a:t>Roo</a:t>
             </a:r>
             <a:endParaRPr lang="nl-NL" dirty="0"/>
           </a:p>
@@ -5485,6 +5676,12 @@
             <a:r>
               <a:rPr lang="nl-NL" dirty="0" smtClean="0"/>
               <a:t>Controller &amp; Simulator</a:t>
+            </a:r>
+          </a:p>
+          <a:p>
+            <a:r>
+              <a:rPr lang="nl-NL" dirty="0" smtClean="0"/>
+              <a:t>Management interface</a:t>
             </a:r>
           </a:p>
         </p:txBody>

--- a/Documentatie/Presentatie/ContainingPresentatie.pptx
+++ b/Documentatie/Presentatie/ContainingPresentatie.pptx
@@ -307,7 +307,7 @@
             <a:fld id="{CA99481B-6CE6-44A6-B96B-82ABE4B04EB0}" type="datetimeFigureOut">
               <a:rPr lang="nl-NL" smtClean="0"/>
               <a:pPr/>
-              <a:t>6-1-2014</a:t>
+              <a:t>14-1-2014</a:t>
             </a:fld>
             <a:endParaRPr lang="nl-NL"/>
           </a:p>
@@ -350,7 +350,7 @@
             <a:fld id="{0522361C-41ED-469B-B255-C9BB6BA78ECD}" type="slidenum">
               <a:rPr lang="nl-NL" smtClean="0"/>
               <a:pPr/>
-              <a:t>‹nr.›</a:t>
+              <a:t>‹#›</a:t>
             </a:fld>
             <a:endParaRPr lang="nl-NL"/>
           </a:p>
@@ -474,7 +474,7 @@
             <a:fld id="{CA99481B-6CE6-44A6-B96B-82ABE4B04EB0}" type="datetimeFigureOut">
               <a:rPr lang="nl-NL" smtClean="0"/>
               <a:pPr/>
-              <a:t>6-1-2014</a:t>
+              <a:t>14-1-2014</a:t>
             </a:fld>
             <a:endParaRPr lang="nl-NL"/>
           </a:p>
@@ -517,7 +517,7 @@
             <a:fld id="{0522361C-41ED-469B-B255-C9BB6BA78ECD}" type="slidenum">
               <a:rPr lang="nl-NL" smtClean="0"/>
               <a:pPr/>
-              <a:t>‹nr.›</a:t>
+              <a:t>‹#›</a:t>
             </a:fld>
             <a:endParaRPr lang="nl-NL"/>
           </a:p>
@@ -651,7 +651,7 @@
             <a:fld id="{CA99481B-6CE6-44A6-B96B-82ABE4B04EB0}" type="datetimeFigureOut">
               <a:rPr lang="nl-NL" smtClean="0"/>
               <a:pPr/>
-              <a:t>6-1-2014</a:t>
+              <a:t>14-1-2014</a:t>
             </a:fld>
             <a:endParaRPr lang="nl-NL"/>
           </a:p>
@@ -694,7 +694,7 @@
             <a:fld id="{0522361C-41ED-469B-B255-C9BB6BA78ECD}" type="slidenum">
               <a:rPr lang="nl-NL" smtClean="0"/>
               <a:pPr/>
-              <a:t>‹nr.›</a:t>
+              <a:t>‹#›</a:t>
             </a:fld>
             <a:endParaRPr lang="nl-NL"/>
           </a:p>
@@ -818,7 +818,7 @@
             <a:fld id="{CA99481B-6CE6-44A6-B96B-82ABE4B04EB0}" type="datetimeFigureOut">
               <a:rPr lang="nl-NL" smtClean="0"/>
               <a:pPr/>
-              <a:t>6-1-2014</a:t>
+              <a:t>14-1-2014</a:t>
             </a:fld>
             <a:endParaRPr lang="nl-NL"/>
           </a:p>
@@ -861,7 +861,7 @@
             <a:fld id="{0522361C-41ED-469B-B255-C9BB6BA78ECD}" type="slidenum">
               <a:rPr lang="nl-NL" smtClean="0"/>
               <a:pPr/>
-              <a:t>‹nr.›</a:t>
+              <a:t>‹#›</a:t>
             </a:fld>
             <a:endParaRPr lang="nl-NL"/>
           </a:p>
@@ -1061,7 +1061,7 @@
             <a:fld id="{CA99481B-6CE6-44A6-B96B-82ABE4B04EB0}" type="datetimeFigureOut">
               <a:rPr lang="nl-NL" smtClean="0"/>
               <a:pPr/>
-              <a:t>6-1-2014</a:t>
+              <a:t>14-1-2014</a:t>
             </a:fld>
             <a:endParaRPr lang="nl-NL"/>
           </a:p>
@@ -1104,7 +1104,7 @@
             <a:fld id="{0522361C-41ED-469B-B255-C9BB6BA78ECD}" type="slidenum">
               <a:rPr lang="nl-NL" smtClean="0"/>
               <a:pPr/>
-              <a:t>‹nr.›</a:t>
+              <a:t>‹#›</a:t>
             </a:fld>
             <a:endParaRPr lang="nl-NL"/>
           </a:p>
@@ -1346,7 +1346,7 @@
             <a:fld id="{CA99481B-6CE6-44A6-B96B-82ABE4B04EB0}" type="datetimeFigureOut">
               <a:rPr lang="nl-NL" smtClean="0"/>
               <a:pPr/>
-              <a:t>6-1-2014</a:t>
+              <a:t>14-1-2014</a:t>
             </a:fld>
             <a:endParaRPr lang="nl-NL"/>
           </a:p>
@@ -1389,7 +1389,7 @@
             <a:fld id="{0522361C-41ED-469B-B255-C9BB6BA78ECD}" type="slidenum">
               <a:rPr lang="nl-NL" smtClean="0"/>
               <a:pPr/>
-              <a:t>‹nr.›</a:t>
+              <a:t>‹#›</a:t>
             </a:fld>
             <a:endParaRPr lang="nl-NL"/>
           </a:p>
@@ -1765,7 +1765,7 @@
             <a:fld id="{CA99481B-6CE6-44A6-B96B-82ABE4B04EB0}" type="datetimeFigureOut">
               <a:rPr lang="nl-NL" smtClean="0"/>
               <a:pPr/>
-              <a:t>6-1-2014</a:t>
+              <a:t>14-1-2014</a:t>
             </a:fld>
             <a:endParaRPr lang="nl-NL"/>
           </a:p>
@@ -1808,7 +1808,7 @@
             <a:fld id="{0522361C-41ED-469B-B255-C9BB6BA78ECD}" type="slidenum">
               <a:rPr lang="nl-NL" smtClean="0"/>
               <a:pPr/>
-              <a:t>‹nr.›</a:t>
+              <a:t>‹#›</a:t>
             </a:fld>
             <a:endParaRPr lang="nl-NL"/>
           </a:p>
@@ -1880,7 +1880,7 @@
             <a:fld id="{CA99481B-6CE6-44A6-B96B-82ABE4B04EB0}" type="datetimeFigureOut">
               <a:rPr lang="nl-NL" smtClean="0"/>
               <a:pPr/>
-              <a:t>6-1-2014</a:t>
+              <a:t>14-1-2014</a:t>
             </a:fld>
             <a:endParaRPr lang="nl-NL"/>
           </a:p>
@@ -1923,7 +1923,7 @@
             <a:fld id="{0522361C-41ED-469B-B255-C9BB6BA78ECD}" type="slidenum">
               <a:rPr lang="nl-NL" smtClean="0"/>
               <a:pPr/>
-              <a:t>‹nr.›</a:t>
+              <a:t>‹#›</a:t>
             </a:fld>
             <a:endParaRPr lang="nl-NL"/>
           </a:p>
@@ -1972,7 +1972,7 @@
             <a:fld id="{CA99481B-6CE6-44A6-B96B-82ABE4B04EB0}" type="datetimeFigureOut">
               <a:rPr lang="nl-NL" smtClean="0"/>
               <a:pPr/>
-              <a:t>6-1-2014</a:t>
+              <a:t>14-1-2014</a:t>
             </a:fld>
             <a:endParaRPr lang="nl-NL"/>
           </a:p>
@@ -2015,7 +2015,7 @@
             <a:fld id="{0522361C-41ED-469B-B255-C9BB6BA78ECD}" type="slidenum">
               <a:rPr lang="nl-NL" smtClean="0"/>
               <a:pPr/>
-              <a:t>‹nr.›</a:t>
+              <a:t>‹#›</a:t>
             </a:fld>
             <a:endParaRPr lang="nl-NL"/>
           </a:p>
@@ -2246,7 +2246,7 @@
             <a:fld id="{CA99481B-6CE6-44A6-B96B-82ABE4B04EB0}" type="datetimeFigureOut">
               <a:rPr lang="nl-NL" smtClean="0"/>
               <a:pPr/>
-              <a:t>6-1-2014</a:t>
+              <a:t>14-1-2014</a:t>
             </a:fld>
             <a:endParaRPr lang="nl-NL"/>
           </a:p>
@@ -2289,7 +2289,7 @@
             <a:fld id="{0522361C-41ED-469B-B255-C9BB6BA78ECD}" type="slidenum">
               <a:rPr lang="nl-NL" smtClean="0"/>
               <a:pPr/>
-              <a:t>‹nr.›</a:t>
+              <a:t>‹#›</a:t>
             </a:fld>
             <a:endParaRPr lang="nl-NL"/>
           </a:p>
@@ -2496,7 +2496,7 @@
             <a:fld id="{CA99481B-6CE6-44A6-B96B-82ABE4B04EB0}" type="datetimeFigureOut">
               <a:rPr lang="nl-NL" smtClean="0"/>
               <a:pPr/>
-              <a:t>6-1-2014</a:t>
+              <a:t>14-1-2014</a:t>
             </a:fld>
             <a:endParaRPr lang="nl-NL"/>
           </a:p>
@@ -2539,7 +2539,7 @@
             <a:fld id="{0522361C-41ED-469B-B255-C9BB6BA78ECD}" type="slidenum">
               <a:rPr lang="nl-NL" smtClean="0"/>
               <a:pPr/>
-              <a:t>‹nr.›</a:t>
+              <a:t>‹#›</a:t>
             </a:fld>
             <a:endParaRPr lang="nl-NL"/>
           </a:p>
@@ -2706,7 +2706,7 @@
             <a:fld id="{CA99481B-6CE6-44A6-B96B-82ABE4B04EB0}" type="datetimeFigureOut">
               <a:rPr lang="nl-NL" smtClean="0"/>
               <a:pPr/>
-              <a:t>6-1-2014</a:t>
+              <a:t>14-1-2014</a:t>
             </a:fld>
             <a:endParaRPr lang="nl-NL"/>
           </a:p>
@@ -2785,7 +2785,7 @@
             <a:fld id="{0522361C-41ED-469B-B255-C9BB6BA78ECD}" type="slidenum">
               <a:rPr lang="nl-NL" smtClean="0"/>
               <a:pPr/>
-              <a:t>‹nr.›</a:t>
+              <a:t>‹#›</a:t>
             </a:fld>
             <a:endParaRPr lang="nl-NL"/>
           </a:p>
@@ -3457,6 +3457,47 @@
           </a:p>
         </p:txBody>
       </p:sp>
+      <p:pic>
+        <p:nvPicPr>
+          <p:cNvPr id="3074" name="Picture 2" descr="E:\Github\ContainingJ2P2P\Documentatie\Eindrapport\CD-Client.png"/>
+          <p:cNvPicPr>
+            <a:picLocks noChangeAspect="1" noChangeArrowheads="1"/>
+          </p:cNvPicPr>
+          <p:nvPr/>
+        </p:nvPicPr>
+        <p:blipFill>
+          <a:blip r:embed="rId3">
+            <a:extLst>
+              <a:ext uri="{28A0092B-C50C-407E-A947-70E740481C1C}">
+                <a14:useLocalDpi xmlns:a14="http://schemas.microsoft.com/office/drawing/2010/main" val="0"/>
+              </a:ext>
+            </a:extLst>
+          </a:blip>
+          <a:srcRect/>
+          <a:stretch>
+            <a:fillRect/>
+          </a:stretch>
+        </p:blipFill>
+        <p:spPr bwMode="auto">
+          <a:xfrm>
+            <a:off x="1" y="1124745"/>
+            <a:ext cx="9144000" cy="5733255"/>
+          </a:xfrm>
+          <a:prstGeom prst="rect">
+            <a:avLst/>
+          </a:prstGeom>
+          <a:noFill/>
+          <a:extLst>
+            <a:ext uri="{909E8E84-426E-40DD-AFC4-6F175D3DCCD1}">
+              <a14:hiddenFill xmlns:a14="http://schemas.microsoft.com/office/drawing/2010/main">
+                <a:solidFill>
+                  <a:srgbClr val="FFFFFF"/>
+                </a:solidFill>
+              </a14:hiddenFill>
+            </a:ext>
+          </a:extLst>
+        </p:spPr>
+      </p:pic>
     </p:spTree>
   </p:cSld>
   <p:clrMapOvr>
@@ -4435,7 +4476,7 @@
         </p:nvSpPr>
         <p:spPr>
           <a:xfrm>
-            <a:off x="467544" y="2492896"/>
+            <a:off x="421196" y="346354"/>
             <a:ext cx="8229600" cy="1143000"/>
           </a:xfrm>
         </p:spPr>
@@ -4467,25 +4508,47 @@
           </a:p>
         </p:txBody>
       </p:sp>
-      <p:sp>
-        <p:nvSpPr>
-          <p:cNvPr id="9" name="Tijdelijke aanduiding voor inhoud 8"/>
-          <p:cNvSpPr>
-            <a:spLocks noGrp="1"/>
-          </p:cNvSpPr>
-          <p:nvPr>
-            <p:ph idx="1"/>
-          </p:nvPr>
-        </p:nvSpPr>
-        <p:spPr/>
-        <p:txBody>
-          <a:bodyPr/>
-          <a:lstStyle/>
-          <a:p>
-            <a:endParaRPr lang="nl-NL" dirty="0" smtClean="0"/>
-          </a:p>
-        </p:txBody>
-      </p:sp>
+      <p:pic>
+        <p:nvPicPr>
+          <p:cNvPr id="1027" name="Picture 3" descr="C:\Users\Arjen\Desktop\Untitled-1.png"/>
+          <p:cNvPicPr>
+            <a:picLocks noChangeAspect="1" noChangeArrowheads="1"/>
+          </p:cNvPicPr>
+          <p:nvPr/>
+        </p:nvPicPr>
+        <p:blipFill>
+          <a:blip r:embed="rId3">
+            <a:extLst>
+              <a:ext uri="{28A0092B-C50C-407E-A947-70E740481C1C}">
+                <a14:useLocalDpi xmlns:a14="http://schemas.microsoft.com/office/drawing/2010/main" val="0"/>
+              </a:ext>
+            </a:extLst>
+          </a:blip>
+          <a:srcRect/>
+          <a:stretch>
+            <a:fillRect/>
+          </a:stretch>
+        </p:blipFill>
+        <p:spPr bwMode="auto">
+          <a:xfrm>
+            <a:off x="4535996" y="2132856"/>
+            <a:ext cx="2828925" cy="4333875"/>
+          </a:xfrm>
+          <a:prstGeom prst="rect">
+            <a:avLst/>
+          </a:prstGeom>
+          <a:noFill/>
+          <a:extLst>
+            <a:ext uri="{909E8E84-426E-40DD-AFC4-6F175D3DCCD1}">
+              <a14:hiddenFill xmlns:a14="http://schemas.microsoft.com/office/drawing/2010/main">
+                <a:solidFill>
+                  <a:srgbClr val="FFFFFF"/>
+                </a:solidFill>
+              </a14:hiddenFill>
+            </a:ext>
+          </a:extLst>
+        </p:spPr>
+      </p:pic>
     </p:spTree>
   </p:cSld>
   <p:clrMapOvr>
@@ -4920,30 +4983,6 @@
           </a:p>
         </p:txBody>
       </p:sp>
-      <p:sp>
-        <p:nvSpPr>
-          <p:cNvPr id="9" name="Tijdelijke aanduiding voor inhoud 8"/>
-          <p:cNvSpPr>
-            <a:spLocks noGrp="1"/>
-          </p:cNvSpPr>
-          <p:nvPr>
-            <p:ph idx="1"/>
-          </p:nvPr>
-        </p:nvSpPr>
-        <p:spPr>
-          <a:xfrm>
-            <a:off x="2699792" y="4077072"/>
-            <a:ext cx="8229600" cy="4525963"/>
-          </a:xfrm>
-        </p:spPr>
-        <p:txBody>
-          <a:bodyPr/>
-          <a:lstStyle/>
-          <a:p>
-            <a:endParaRPr lang="nl-NL" dirty="0" smtClean="0"/>
-          </a:p>
-        </p:txBody>
-      </p:sp>
     </p:spTree>
   </p:cSld>
   <p:clrMapOvr>
@@ -5226,11 +5265,7 @@
             </a:r>
             <a:r>
               <a:rPr lang="nl-NL" sz="2200" dirty="0" err="1" smtClean="0"/>
-              <a:t>q</a:t>
-            </a:r>
-            <a:r>
-              <a:rPr lang="nl-NL" sz="2200" dirty="0" err="1" smtClean="0"/>
-              <a:t>uestions</a:t>
+              <a:t>questions</a:t>
             </a:r>
             <a:endParaRPr lang="nl-NL" sz="2200" dirty="0" smtClean="0"/>
           </a:p>
@@ -5471,11 +5506,7 @@
             <a:pPr lvl="1"/>
             <a:r>
               <a:rPr lang="nl-NL" dirty="0" smtClean="0"/>
-              <a:t>Jeffrey </a:t>
-            </a:r>
-            <a:r>
-              <a:rPr lang="nl-NL" dirty="0" smtClean="0"/>
-              <a:t>Harders</a:t>
+              <a:t>Jeffrey Harders</a:t>
             </a:r>
           </a:p>
           <a:p>
@@ -5681,8 +5712,13 @@
           <a:p>
             <a:r>
               <a:rPr lang="nl-NL" dirty="0" smtClean="0"/>
-              <a:t>Management interface</a:t>
-            </a:r>
+              <a:t>Management </a:t>
+            </a:r>
+            <a:r>
+              <a:rPr lang="nl-NL" dirty="0" smtClean="0"/>
+              <a:t>Interface</a:t>
+            </a:r>
+            <a:endParaRPr lang="nl-NL" dirty="0" smtClean="0"/>
           </a:p>
         </p:txBody>
       </p:sp>
@@ -6580,25 +6616,47 @@
           </a:p>
         </p:txBody>
       </p:sp>
-      <p:sp>
-        <p:nvSpPr>
-          <p:cNvPr id="9" name="Tijdelijke aanduiding voor inhoud 8"/>
-          <p:cNvSpPr>
-            <a:spLocks noGrp="1"/>
-          </p:cNvSpPr>
-          <p:nvPr>
-            <p:ph idx="1"/>
-          </p:nvPr>
-        </p:nvSpPr>
-        <p:spPr/>
-        <p:txBody>
-          <a:bodyPr/>
-          <a:lstStyle/>
-          <a:p>
-            <a:endParaRPr lang="nl-NL" dirty="0" smtClean="0"/>
-          </a:p>
-        </p:txBody>
-      </p:sp>
+      <p:pic>
+        <p:nvPicPr>
+          <p:cNvPr id="1026" name="Picture 2" descr="E:\Github\ContainingJ2P2P\Documentatie\Eindrapport\CD-Server.png"/>
+          <p:cNvPicPr>
+            <a:picLocks noChangeAspect="1" noChangeArrowheads="1"/>
+          </p:cNvPicPr>
+          <p:nvPr/>
+        </p:nvPicPr>
+        <p:blipFill>
+          <a:blip r:embed="rId3">
+            <a:extLst>
+              <a:ext uri="{28A0092B-C50C-407E-A947-70E740481C1C}">
+                <a14:useLocalDpi xmlns:a14="http://schemas.microsoft.com/office/drawing/2010/main" val="0"/>
+              </a:ext>
+            </a:extLst>
+          </a:blip>
+          <a:srcRect/>
+          <a:stretch>
+            <a:fillRect/>
+          </a:stretch>
+        </p:blipFill>
+        <p:spPr bwMode="auto">
+          <a:xfrm>
+            <a:off x="16970" y="1124743"/>
+            <a:ext cx="9127030" cy="5740675"/>
+          </a:xfrm>
+          <a:prstGeom prst="rect">
+            <a:avLst/>
+          </a:prstGeom>
+          <a:noFill/>
+          <a:extLst>
+            <a:ext uri="{909E8E84-426E-40DD-AFC4-6F175D3DCCD1}">
+              <a14:hiddenFill xmlns:a14="http://schemas.microsoft.com/office/drawing/2010/main">
+                <a:solidFill>
+                  <a:srgbClr val="FFFFFF"/>
+                </a:solidFill>
+              </a14:hiddenFill>
+            </a:ext>
+          </a:extLst>
+        </p:spPr>
+      </p:pic>
     </p:spTree>
   </p:cSld>
   <p:clrMapOvr>
@@ -6732,6 +6790,47 @@
           </a:p>
         </p:txBody>
       </p:sp>
+      <p:pic>
+        <p:nvPicPr>
+          <p:cNvPr id="2050" name="Picture 2" descr="E:\Github\ContainingJ2P2P\Documentatie\Eindrapport\CD-Protocol.png"/>
+          <p:cNvPicPr>
+            <a:picLocks noChangeAspect="1" noChangeArrowheads="1"/>
+          </p:cNvPicPr>
+          <p:nvPr/>
+        </p:nvPicPr>
+        <p:blipFill>
+          <a:blip r:embed="rId3">
+            <a:extLst>
+              <a:ext uri="{28A0092B-C50C-407E-A947-70E740481C1C}">
+                <a14:useLocalDpi xmlns:a14="http://schemas.microsoft.com/office/drawing/2010/main" val="0"/>
+              </a:ext>
+            </a:extLst>
+          </a:blip>
+          <a:srcRect/>
+          <a:stretch>
+            <a:fillRect/>
+          </a:stretch>
+        </p:blipFill>
+        <p:spPr bwMode="auto">
+          <a:xfrm>
+            <a:off x="1" y="1196752"/>
+            <a:ext cx="9144000" cy="5661247"/>
+          </a:xfrm>
+          <a:prstGeom prst="rect">
+            <a:avLst/>
+          </a:prstGeom>
+          <a:noFill/>
+          <a:extLst>
+            <a:ext uri="{909E8E84-426E-40DD-AFC4-6F175D3DCCD1}">
+              <a14:hiddenFill xmlns:a14="http://schemas.microsoft.com/office/drawing/2010/main">
+                <a:solidFill>
+                  <a:srgbClr val="FFFFFF"/>
+                </a:solidFill>
+              </a14:hiddenFill>
+            </a:ext>
+          </a:extLst>
+        </p:spPr>
+      </p:pic>
     </p:spTree>
   </p:cSld>
   <p:clrMapOvr>

--- a/Documentatie/Presentatie/ContainingPresentatie.pptx
+++ b/Documentatie/Presentatie/ContainingPresentatie.pptx
@@ -307,7 +307,7 @@
             <a:fld id="{CA99481B-6CE6-44A6-B96B-82ABE4B04EB0}" type="datetimeFigureOut">
               <a:rPr lang="nl-NL" smtClean="0"/>
               <a:pPr/>
-              <a:t>14-1-2014</a:t>
+              <a:t>15-1-2014</a:t>
             </a:fld>
             <a:endParaRPr lang="nl-NL"/>
           </a:p>
@@ -350,7 +350,7 @@
             <a:fld id="{0522361C-41ED-469B-B255-C9BB6BA78ECD}" type="slidenum">
               <a:rPr lang="nl-NL" smtClean="0"/>
               <a:pPr/>
-              <a:t>‹#›</a:t>
+              <a:t>‹nr.›</a:t>
             </a:fld>
             <a:endParaRPr lang="nl-NL"/>
           </a:p>
@@ -474,7 +474,7 @@
             <a:fld id="{CA99481B-6CE6-44A6-B96B-82ABE4B04EB0}" type="datetimeFigureOut">
               <a:rPr lang="nl-NL" smtClean="0"/>
               <a:pPr/>
-              <a:t>14-1-2014</a:t>
+              <a:t>15-1-2014</a:t>
             </a:fld>
             <a:endParaRPr lang="nl-NL"/>
           </a:p>
@@ -517,7 +517,7 @@
             <a:fld id="{0522361C-41ED-469B-B255-C9BB6BA78ECD}" type="slidenum">
               <a:rPr lang="nl-NL" smtClean="0"/>
               <a:pPr/>
-              <a:t>‹#›</a:t>
+              <a:t>‹nr.›</a:t>
             </a:fld>
             <a:endParaRPr lang="nl-NL"/>
           </a:p>
@@ -651,7 +651,7 @@
             <a:fld id="{CA99481B-6CE6-44A6-B96B-82ABE4B04EB0}" type="datetimeFigureOut">
               <a:rPr lang="nl-NL" smtClean="0"/>
               <a:pPr/>
-              <a:t>14-1-2014</a:t>
+              <a:t>15-1-2014</a:t>
             </a:fld>
             <a:endParaRPr lang="nl-NL"/>
           </a:p>
@@ -694,7 +694,7 @@
             <a:fld id="{0522361C-41ED-469B-B255-C9BB6BA78ECD}" type="slidenum">
               <a:rPr lang="nl-NL" smtClean="0"/>
               <a:pPr/>
-              <a:t>‹#›</a:t>
+              <a:t>‹nr.›</a:t>
             </a:fld>
             <a:endParaRPr lang="nl-NL"/>
           </a:p>
@@ -818,7 +818,7 @@
             <a:fld id="{CA99481B-6CE6-44A6-B96B-82ABE4B04EB0}" type="datetimeFigureOut">
               <a:rPr lang="nl-NL" smtClean="0"/>
               <a:pPr/>
-              <a:t>14-1-2014</a:t>
+              <a:t>15-1-2014</a:t>
             </a:fld>
             <a:endParaRPr lang="nl-NL"/>
           </a:p>
@@ -861,7 +861,7 @@
             <a:fld id="{0522361C-41ED-469B-B255-C9BB6BA78ECD}" type="slidenum">
               <a:rPr lang="nl-NL" smtClean="0"/>
               <a:pPr/>
-              <a:t>‹#›</a:t>
+              <a:t>‹nr.›</a:t>
             </a:fld>
             <a:endParaRPr lang="nl-NL"/>
           </a:p>
@@ -1061,7 +1061,7 @@
             <a:fld id="{CA99481B-6CE6-44A6-B96B-82ABE4B04EB0}" type="datetimeFigureOut">
               <a:rPr lang="nl-NL" smtClean="0"/>
               <a:pPr/>
-              <a:t>14-1-2014</a:t>
+              <a:t>15-1-2014</a:t>
             </a:fld>
             <a:endParaRPr lang="nl-NL"/>
           </a:p>
@@ -1104,7 +1104,7 @@
             <a:fld id="{0522361C-41ED-469B-B255-C9BB6BA78ECD}" type="slidenum">
               <a:rPr lang="nl-NL" smtClean="0"/>
               <a:pPr/>
-              <a:t>‹#›</a:t>
+              <a:t>‹nr.›</a:t>
             </a:fld>
             <a:endParaRPr lang="nl-NL"/>
           </a:p>
@@ -1346,7 +1346,7 @@
             <a:fld id="{CA99481B-6CE6-44A6-B96B-82ABE4B04EB0}" type="datetimeFigureOut">
               <a:rPr lang="nl-NL" smtClean="0"/>
               <a:pPr/>
-              <a:t>14-1-2014</a:t>
+              <a:t>15-1-2014</a:t>
             </a:fld>
             <a:endParaRPr lang="nl-NL"/>
           </a:p>
@@ -1389,7 +1389,7 @@
             <a:fld id="{0522361C-41ED-469B-B255-C9BB6BA78ECD}" type="slidenum">
               <a:rPr lang="nl-NL" smtClean="0"/>
               <a:pPr/>
-              <a:t>‹#›</a:t>
+              <a:t>‹nr.›</a:t>
             </a:fld>
             <a:endParaRPr lang="nl-NL"/>
           </a:p>
@@ -1765,7 +1765,7 @@
             <a:fld id="{CA99481B-6CE6-44A6-B96B-82ABE4B04EB0}" type="datetimeFigureOut">
               <a:rPr lang="nl-NL" smtClean="0"/>
               <a:pPr/>
-              <a:t>14-1-2014</a:t>
+              <a:t>15-1-2014</a:t>
             </a:fld>
             <a:endParaRPr lang="nl-NL"/>
           </a:p>
@@ -1808,7 +1808,7 @@
             <a:fld id="{0522361C-41ED-469B-B255-C9BB6BA78ECD}" type="slidenum">
               <a:rPr lang="nl-NL" smtClean="0"/>
               <a:pPr/>
-              <a:t>‹#›</a:t>
+              <a:t>‹nr.›</a:t>
             </a:fld>
             <a:endParaRPr lang="nl-NL"/>
           </a:p>
@@ -1880,7 +1880,7 @@
             <a:fld id="{CA99481B-6CE6-44A6-B96B-82ABE4B04EB0}" type="datetimeFigureOut">
               <a:rPr lang="nl-NL" smtClean="0"/>
               <a:pPr/>
-              <a:t>14-1-2014</a:t>
+              <a:t>15-1-2014</a:t>
             </a:fld>
             <a:endParaRPr lang="nl-NL"/>
           </a:p>
@@ -1923,7 +1923,7 @@
             <a:fld id="{0522361C-41ED-469B-B255-C9BB6BA78ECD}" type="slidenum">
               <a:rPr lang="nl-NL" smtClean="0"/>
               <a:pPr/>
-              <a:t>‹#›</a:t>
+              <a:t>‹nr.›</a:t>
             </a:fld>
             <a:endParaRPr lang="nl-NL"/>
           </a:p>
@@ -1972,7 +1972,7 @@
             <a:fld id="{CA99481B-6CE6-44A6-B96B-82ABE4B04EB0}" type="datetimeFigureOut">
               <a:rPr lang="nl-NL" smtClean="0"/>
               <a:pPr/>
-              <a:t>14-1-2014</a:t>
+              <a:t>15-1-2014</a:t>
             </a:fld>
             <a:endParaRPr lang="nl-NL"/>
           </a:p>
@@ -2015,7 +2015,7 @@
             <a:fld id="{0522361C-41ED-469B-B255-C9BB6BA78ECD}" type="slidenum">
               <a:rPr lang="nl-NL" smtClean="0"/>
               <a:pPr/>
-              <a:t>‹#›</a:t>
+              <a:t>‹nr.›</a:t>
             </a:fld>
             <a:endParaRPr lang="nl-NL"/>
           </a:p>
@@ -2246,7 +2246,7 @@
             <a:fld id="{CA99481B-6CE6-44A6-B96B-82ABE4B04EB0}" type="datetimeFigureOut">
               <a:rPr lang="nl-NL" smtClean="0"/>
               <a:pPr/>
-              <a:t>14-1-2014</a:t>
+              <a:t>15-1-2014</a:t>
             </a:fld>
             <a:endParaRPr lang="nl-NL"/>
           </a:p>
@@ -2289,7 +2289,7 @@
             <a:fld id="{0522361C-41ED-469B-B255-C9BB6BA78ECD}" type="slidenum">
               <a:rPr lang="nl-NL" smtClean="0"/>
               <a:pPr/>
-              <a:t>‹#›</a:t>
+              <a:t>‹nr.›</a:t>
             </a:fld>
             <a:endParaRPr lang="nl-NL"/>
           </a:p>
@@ -2496,7 +2496,7 @@
             <a:fld id="{CA99481B-6CE6-44A6-B96B-82ABE4B04EB0}" type="datetimeFigureOut">
               <a:rPr lang="nl-NL" smtClean="0"/>
               <a:pPr/>
-              <a:t>14-1-2014</a:t>
+              <a:t>15-1-2014</a:t>
             </a:fld>
             <a:endParaRPr lang="nl-NL"/>
           </a:p>
@@ -2539,7 +2539,7 @@
             <a:fld id="{0522361C-41ED-469B-B255-C9BB6BA78ECD}" type="slidenum">
               <a:rPr lang="nl-NL" smtClean="0"/>
               <a:pPr/>
-              <a:t>‹#›</a:t>
+              <a:t>‹nr.›</a:t>
             </a:fld>
             <a:endParaRPr lang="nl-NL"/>
           </a:p>
@@ -2706,7 +2706,7 @@
             <a:fld id="{CA99481B-6CE6-44A6-B96B-82ABE4B04EB0}" type="datetimeFigureOut">
               <a:rPr lang="nl-NL" smtClean="0"/>
               <a:pPr/>
-              <a:t>14-1-2014</a:t>
+              <a:t>15-1-2014</a:t>
             </a:fld>
             <a:endParaRPr lang="nl-NL"/>
           </a:p>
@@ -2785,7 +2785,7 @@
             <a:fld id="{0522361C-41ED-469B-B255-C9BB6BA78ECD}" type="slidenum">
               <a:rPr lang="nl-NL" smtClean="0"/>
               <a:pPr/>
-              <a:t>‹#›</a:t>
+              <a:t>‹nr.›</a:t>
             </a:fld>
             <a:endParaRPr lang="nl-NL"/>
           </a:p>
@@ -3466,10 +3466,10 @@
           <p:nvPr/>
         </p:nvPicPr>
         <p:blipFill>
-          <a:blip r:embed="rId3">
+          <a:blip r:embed="rId3" cstate="print">
             <a:extLst>
               <a:ext uri="{28A0092B-C50C-407E-A947-70E740481C1C}">
-                <a14:useLocalDpi xmlns:a14="http://schemas.microsoft.com/office/drawing/2010/main" val="0"/>
+                <a14:useLocalDpi xmlns:a14="http://schemas.microsoft.com/office/drawing/2010/main" xmlns="" val="0"/>
               </a:ext>
             </a:extLst>
           </a:blip>
@@ -3489,7 +3489,7 @@
           <a:noFill/>
           <a:extLst>
             <a:ext uri="{909E8E84-426E-40DD-AFC4-6F175D3DCCD1}">
-              <a14:hiddenFill xmlns:a14="http://schemas.microsoft.com/office/drawing/2010/main">
+              <a14:hiddenFill xmlns:a14="http://schemas.microsoft.com/office/drawing/2010/main" xmlns="">
                 <a:solidFill>
                   <a:srgbClr val="FFFFFF"/>
                 </a:solidFill>
@@ -4362,18 +4362,12 @@
               <a:t>Coverage</a:t>
             </a:r>
             <a:r>
-              <a:rPr lang="nl-NL" dirty="0" smtClean="0"/>
-              <a:t> tests</a:t>
-            </a:r>
-          </a:p>
-          <a:p>
-            <a:r>
-              <a:rPr lang="nl-NL" dirty="0" smtClean="0"/>
-              <a:t>DOM </a:t>
-            </a:r>
-            <a:r>
-              <a:rPr lang="nl-NL" dirty="0" err="1" smtClean="0"/>
-              <a:t>testing</a:t>
+              <a:rPr lang="nl-NL" smtClean="0"/>
+              <a:t> </a:t>
+            </a:r>
+            <a:r>
+              <a:rPr lang="nl-NL" smtClean="0"/>
+              <a:t>tests</a:t>
             </a:r>
             <a:endParaRPr lang="nl-NL" dirty="0" smtClean="0"/>
           </a:p>
@@ -4517,10 +4511,10 @@
           <p:nvPr/>
         </p:nvPicPr>
         <p:blipFill>
-          <a:blip r:embed="rId3">
+          <a:blip r:embed="rId3" cstate="print">
             <a:extLst>
               <a:ext uri="{28A0092B-C50C-407E-A947-70E740481C1C}">
-                <a14:useLocalDpi xmlns:a14="http://schemas.microsoft.com/office/drawing/2010/main" val="0"/>
+                <a14:useLocalDpi xmlns:a14="http://schemas.microsoft.com/office/drawing/2010/main" xmlns="" val="0"/>
               </a:ext>
             </a:extLst>
           </a:blip>
@@ -4540,7 +4534,7 @@
           <a:noFill/>
           <a:extLst>
             <a:ext uri="{909E8E84-426E-40DD-AFC4-6F175D3DCCD1}">
-              <a14:hiddenFill xmlns:a14="http://schemas.microsoft.com/office/drawing/2010/main">
+              <a14:hiddenFill xmlns:a14="http://schemas.microsoft.com/office/drawing/2010/main" xmlns="">
                 <a:solidFill>
                   <a:srgbClr val="FFFFFF"/>
                 </a:solidFill>
@@ -5712,13 +5706,8 @@
           <a:p>
             <a:r>
               <a:rPr lang="nl-NL" dirty="0" smtClean="0"/>
-              <a:t>Management </a:t>
-            </a:r>
-            <a:r>
-              <a:rPr lang="nl-NL" dirty="0" smtClean="0"/>
-              <a:t>Interface</a:t>
-            </a:r>
-            <a:endParaRPr lang="nl-NL" dirty="0" smtClean="0"/>
+              <a:t>Management Interface</a:t>
+            </a:r>
           </a:p>
         </p:txBody>
       </p:sp>
@@ -6625,10 +6614,10 @@
           <p:nvPr/>
         </p:nvPicPr>
         <p:blipFill>
-          <a:blip r:embed="rId3">
+          <a:blip r:embed="rId3" cstate="print">
             <a:extLst>
               <a:ext uri="{28A0092B-C50C-407E-A947-70E740481C1C}">
-                <a14:useLocalDpi xmlns:a14="http://schemas.microsoft.com/office/drawing/2010/main" val="0"/>
+                <a14:useLocalDpi xmlns:a14="http://schemas.microsoft.com/office/drawing/2010/main" xmlns="" val="0"/>
               </a:ext>
             </a:extLst>
           </a:blip>
@@ -6648,7 +6637,7 @@
           <a:noFill/>
           <a:extLst>
             <a:ext uri="{909E8E84-426E-40DD-AFC4-6F175D3DCCD1}">
-              <a14:hiddenFill xmlns:a14="http://schemas.microsoft.com/office/drawing/2010/main">
+              <a14:hiddenFill xmlns:a14="http://schemas.microsoft.com/office/drawing/2010/main" xmlns="">
                 <a:solidFill>
                   <a:srgbClr val="FFFFFF"/>
                 </a:solidFill>
@@ -6799,10 +6788,10 @@
           <p:nvPr/>
         </p:nvPicPr>
         <p:blipFill>
-          <a:blip r:embed="rId3">
+          <a:blip r:embed="rId3" cstate="print">
             <a:extLst>
               <a:ext uri="{28A0092B-C50C-407E-A947-70E740481C1C}">
-                <a14:useLocalDpi xmlns:a14="http://schemas.microsoft.com/office/drawing/2010/main" val="0"/>
+                <a14:useLocalDpi xmlns:a14="http://schemas.microsoft.com/office/drawing/2010/main" xmlns="" val="0"/>
               </a:ext>
             </a:extLst>
           </a:blip>
@@ -6822,7 +6811,7 @@
           <a:noFill/>
           <a:extLst>
             <a:ext uri="{909E8E84-426E-40DD-AFC4-6F175D3DCCD1}">
-              <a14:hiddenFill xmlns:a14="http://schemas.microsoft.com/office/drawing/2010/main">
+              <a14:hiddenFill xmlns:a14="http://schemas.microsoft.com/office/drawing/2010/main" xmlns="">
                 <a:solidFill>
                   <a:srgbClr val="FFFFFF"/>
                 </a:solidFill>

--- a/Documentatie/Presentatie/ContainingPresentatie.pptx
+++ b/Documentatie/Presentatie/ContainingPresentatie.pptx
@@ -350,7 +350,7 @@
             <a:fld id="{0522361C-41ED-469B-B255-C9BB6BA78ECD}" type="slidenum">
               <a:rPr lang="nl-NL" smtClean="0"/>
               <a:pPr/>
-              <a:t>‹nr.›</a:t>
+              <a:t>‹#›</a:t>
             </a:fld>
             <a:endParaRPr lang="nl-NL"/>
           </a:p>
@@ -517,7 +517,7 @@
             <a:fld id="{0522361C-41ED-469B-B255-C9BB6BA78ECD}" type="slidenum">
               <a:rPr lang="nl-NL" smtClean="0"/>
               <a:pPr/>
-              <a:t>‹nr.›</a:t>
+              <a:t>‹#›</a:t>
             </a:fld>
             <a:endParaRPr lang="nl-NL"/>
           </a:p>
@@ -694,7 +694,7 @@
             <a:fld id="{0522361C-41ED-469B-B255-C9BB6BA78ECD}" type="slidenum">
               <a:rPr lang="nl-NL" smtClean="0"/>
               <a:pPr/>
-              <a:t>‹nr.›</a:t>
+              <a:t>‹#›</a:t>
             </a:fld>
             <a:endParaRPr lang="nl-NL"/>
           </a:p>
@@ -861,7 +861,7 @@
             <a:fld id="{0522361C-41ED-469B-B255-C9BB6BA78ECD}" type="slidenum">
               <a:rPr lang="nl-NL" smtClean="0"/>
               <a:pPr/>
-              <a:t>‹nr.›</a:t>
+              <a:t>‹#›</a:t>
             </a:fld>
             <a:endParaRPr lang="nl-NL"/>
           </a:p>
@@ -1104,7 +1104,7 @@
             <a:fld id="{0522361C-41ED-469B-B255-C9BB6BA78ECD}" type="slidenum">
               <a:rPr lang="nl-NL" smtClean="0"/>
               <a:pPr/>
-              <a:t>‹nr.›</a:t>
+              <a:t>‹#›</a:t>
             </a:fld>
             <a:endParaRPr lang="nl-NL"/>
           </a:p>
@@ -1389,7 +1389,7 @@
             <a:fld id="{0522361C-41ED-469B-B255-C9BB6BA78ECD}" type="slidenum">
               <a:rPr lang="nl-NL" smtClean="0"/>
               <a:pPr/>
-              <a:t>‹nr.›</a:t>
+              <a:t>‹#›</a:t>
             </a:fld>
             <a:endParaRPr lang="nl-NL"/>
           </a:p>
@@ -1808,7 +1808,7 @@
             <a:fld id="{0522361C-41ED-469B-B255-C9BB6BA78ECD}" type="slidenum">
               <a:rPr lang="nl-NL" smtClean="0"/>
               <a:pPr/>
-              <a:t>‹nr.›</a:t>
+              <a:t>‹#›</a:t>
             </a:fld>
             <a:endParaRPr lang="nl-NL"/>
           </a:p>
@@ -1923,7 +1923,7 @@
             <a:fld id="{0522361C-41ED-469B-B255-C9BB6BA78ECD}" type="slidenum">
               <a:rPr lang="nl-NL" smtClean="0"/>
               <a:pPr/>
-              <a:t>‹nr.›</a:t>
+              <a:t>‹#›</a:t>
             </a:fld>
             <a:endParaRPr lang="nl-NL"/>
           </a:p>
@@ -2015,7 +2015,7 @@
             <a:fld id="{0522361C-41ED-469B-B255-C9BB6BA78ECD}" type="slidenum">
               <a:rPr lang="nl-NL" smtClean="0"/>
               <a:pPr/>
-              <a:t>‹nr.›</a:t>
+              <a:t>‹#›</a:t>
             </a:fld>
             <a:endParaRPr lang="nl-NL"/>
           </a:p>
@@ -2289,7 +2289,7 @@
             <a:fld id="{0522361C-41ED-469B-B255-C9BB6BA78ECD}" type="slidenum">
               <a:rPr lang="nl-NL" smtClean="0"/>
               <a:pPr/>
-              <a:t>‹nr.›</a:t>
+              <a:t>‹#›</a:t>
             </a:fld>
             <a:endParaRPr lang="nl-NL"/>
           </a:p>
@@ -2539,7 +2539,7 @@
             <a:fld id="{0522361C-41ED-469B-B255-C9BB6BA78ECD}" type="slidenum">
               <a:rPr lang="nl-NL" smtClean="0"/>
               <a:pPr/>
-              <a:t>‹nr.›</a:t>
+              <a:t>‹#›</a:t>
             </a:fld>
             <a:endParaRPr lang="nl-NL"/>
           </a:p>
@@ -2785,7 +2785,7 @@
             <a:fld id="{0522361C-41ED-469B-B255-C9BB6BA78ECD}" type="slidenum">
               <a:rPr lang="nl-NL" smtClean="0"/>
               <a:pPr/>
-              <a:t>‹nr.›</a:t>
+              <a:t>‹#›</a:t>
             </a:fld>
             <a:endParaRPr lang="nl-NL"/>
           </a:p>
@@ -3466,10 +3466,10 @@
           <p:nvPr/>
         </p:nvPicPr>
         <p:blipFill>
-          <a:blip r:embed="rId3" cstate="print">
+          <a:blip r:embed="rId3">
             <a:extLst>
               <a:ext uri="{28A0092B-C50C-407E-A947-70E740481C1C}">
-                <a14:useLocalDpi xmlns:a14="http://schemas.microsoft.com/office/drawing/2010/main" xmlns="" val="0"/>
+                <a14:useLocalDpi xmlns:a14="http://schemas.microsoft.com/office/drawing/2010/main" val="0"/>
               </a:ext>
             </a:extLst>
           </a:blip>
@@ -3489,7 +3489,7 @@
           <a:noFill/>
           <a:extLst>
             <a:ext uri="{909E8E84-426E-40DD-AFC4-6F175D3DCCD1}">
-              <a14:hiddenFill xmlns:a14="http://schemas.microsoft.com/office/drawing/2010/main" xmlns="">
+              <a14:hiddenFill xmlns:a14="http://schemas.microsoft.com/office/drawing/2010/main">
                 <a:solidFill>
                   <a:srgbClr val="FFFFFF"/>
                 </a:solidFill>
@@ -4362,12 +4362,18 @@
               <a:t>Coverage</a:t>
             </a:r>
             <a:r>
-              <a:rPr lang="nl-NL" smtClean="0"/>
-              <a:t> </a:t>
-            </a:r>
-            <a:r>
-              <a:rPr lang="nl-NL" smtClean="0"/>
-              <a:t>tests</a:t>
+              <a:rPr lang="nl-NL" dirty="0" smtClean="0"/>
+              <a:t> tests</a:t>
+            </a:r>
+          </a:p>
+          <a:p>
+            <a:r>
+              <a:rPr lang="nl-NL" dirty="0" smtClean="0"/>
+              <a:t>DOM </a:t>
+            </a:r>
+            <a:r>
+              <a:rPr lang="nl-NL" dirty="0" err="1" smtClean="0"/>
+              <a:t>testing</a:t>
             </a:r>
             <a:endParaRPr lang="nl-NL" dirty="0" smtClean="0"/>
           </a:p>
@@ -4395,6 +4401,47 @@
           </a:p>
         </p:txBody>
       </p:sp>
+      <p:pic>
+        <p:nvPicPr>
+          <p:cNvPr id="1026" name="Picture 2" descr="junit-icrunched.jpeg (532×351)"/>
+          <p:cNvPicPr>
+            <a:picLocks noChangeAspect="1" noChangeArrowheads="1"/>
+          </p:cNvPicPr>
+          <p:nvPr/>
+        </p:nvPicPr>
+        <p:blipFill>
+          <a:blip r:embed="rId3">
+            <a:extLst>
+              <a:ext uri="{28A0092B-C50C-407E-A947-70E740481C1C}">
+                <a14:useLocalDpi xmlns:a14="http://schemas.microsoft.com/office/drawing/2010/main" val="0"/>
+              </a:ext>
+            </a:extLst>
+          </a:blip>
+          <a:srcRect/>
+          <a:stretch>
+            <a:fillRect/>
+          </a:stretch>
+        </p:blipFill>
+        <p:spPr bwMode="auto">
+          <a:xfrm rot="20980923">
+            <a:off x="3635896" y="2420888"/>
+            <a:ext cx="5067300" cy="3343275"/>
+          </a:xfrm>
+          <a:prstGeom prst="rect">
+            <a:avLst/>
+          </a:prstGeom>
+          <a:noFill/>
+          <a:extLst>
+            <a:ext uri="{909E8E84-426E-40DD-AFC4-6F175D3DCCD1}">
+              <a14:hiddenFill xmlns:a14="http://schemas.microsoft.com/office/drawing/2010/main">
+                <a:solidFill>
+                  <a:srgbClr val="FFFFFF"/>
+                </a:solidFill>
+              </a14:hiddenFill>
+            </a:ext>
+          </a:extLst>
+        </p:spPr>
+      </p:pic>
     </p:spTree>
   </p:cSld>
   <p:clrMapOvr>
@@ -4511,10 +4558,10 @@
           <p:nvPr/>
         </p:nvPicPr>
         <p:blipFill>
-          <a:blip r:embed="rId3" cstate="print">
+          <a:blip r:embed="rId3">
             <a:extLst>
               <a:ext uri="{28A0092B-C50C-407E-A947-70E740481C1C}">
-                <a14:useLocalDpi xmlns:a14="http://schemas.microsoft.com/office/drawing/2010/main" xmlns="" val="0"/>
+                <a14:useLocalDpi xmlns:a14="http://schemas.microsoft.com/office/drawing/2010/main" val="0"/>
               </a:ext>
             </a:extLst>
           </a:blip>
@@ -4524,8 +4571,8 @@
           </a:stretch>
         </p:blipFill>
         <p:spPr bwMode="auto">
-          <a:xfrm>
-            <a:off x="4535996" y="2132856"/>
+          <a:xfrm rot="241775">
+            <a:off x="3995936" y="2037285"/>
             <a:ext cx="2828925" cy="4333875"/>
           </a:xfrm>
           <a:prstGeom prst="rect">
@@ -4534,7 +4581,7 @@
           <a:noFill/>
           <a:extLst>
             <a:ext uri="{909E8E84-426E-40DD-AFC4-6F175D3DCCD1}">
-              <a14:hiddenFill xmlns:a14="http://schemas.microsoft.com/office/drawing/2010/main" xmlns="">
+              <a14:hiddenFill xmlns:a14="http://schemas.microsoft.com/office/drawing/2010/main">
                 <a:solidFill>
                   <a:srgbClr val="FFFFFF"/>
                 </a:solidFill>
@@ -4618,7 +4665,7 @@
         </p:nvSpPr>
         <p:spPr>
           <a:xfrm>
-            <a:off x="395536" y="2492896"/>
+            <a:off x="421196" y="352818"/>
             <a:ext cx="8229600" cy="1143000"/>
           </a:xfrm>
         </p:spPr>
@@ -4650,25 +4697,47 @@
           </a:p>
         </p:txBody>
       </p:sp>
-      <p:sp>
-        <p:nvSpPr>
-          <p:cNvPr id="9" name="Tijdelijke aanduiding voor inhoud 8"/>
-          <p:cNvSpPr>
-            <a:spLocks noGrp="1"/>
-          </p:cNvSpPr>
-          <p:nvPr>
-            <p:ph idx="1"/>
-          </p:nvPr>
-        </p:nvSpPr>
-        <p:spPr/>
-        <p:txBody>
-          <a:bodyPr/>
-          <a:lstStyle/>
-          <a:p>
-            <a:endParaRPr lang="nl-NL" dirty="0" smtClean="0"/>
-          </a:p>
-        </p:txBody>
-      </p:sp>
+      <p:pic>
+        <p:nvPicPr>
+          <p:cNvPr id="2050" name="Picture 2" descr="http://www.moonshadow.be/cms/images/tickbox.jpg"/>
+          <p:cNvPicPr>
+            <a:picLocks noChangeAspect="1" noChangeArrowheads="1"/>
+          </p:cNvPicPr>
+          <p:nvPr/>
+        </p:nvPicPr>
+        <p:blipFill>
+          <a:blip r:embed="rId3">
+            <a:extLst>
+              <a:ext uri="{28A0092B-C50C-407E-A947-70E740481C1C}">
+                <a14:useLocalDpi xmlns:a14="http://schemas.microsoft.com/office/drawing/2010/main" val="0"/>
+              </a:ext>
+            </a:extLst>
+          </a:blip>
+          <a:srcRect/>
+          <a:stretch>
+            <a:fillRect/>
+          </a:stretch>
+        </p:blipFill>
+        <p:spPr bwMode="auto">
+          <a:xfrm rot="414769">
+            <a:off x="1605811" y="2469323"/>
+            <a:ext cx="4871432" cy="3653574"/>
+          </a:xfrm>
+          <a:prstGeom prst="rect">
+            <a:avLst/>
+          </a:prstGeom>
+          <a:noFill/>
+          <a:extLst>
+            <a:ext uri="{909E8E84-426E-40DD-AFC4-6F175D3DCCD1}">
+              <a14:hiddenFill xmlns:a14="http://schemas.microsoft.com/office/drawing/2010/main">
+                <a:solidFill>
+                  <a:srgbClr val="FFFFFF"/>
+                </a:solidFill>
+              </a14:hiddenFill>
+            </a:ext>
+          </a:extLst>
+        </p:spPr>
+      </p:pic>
     </p:spTree>
   </p:cSld>
   <p:clrMapOvr>
@@ -5179,12 +5248,7 @@
               <a:rPr lang="nl-NL" sz="2200" dirty="0" smtClean="0"/>
               <a:t>Client</a:t>
             </a:r>
-          </a:p>
-          <a:p>
-            <a:r>
-              <a:rPr lang="nl-NL" sz="2200" dirty="0" smtClean="0"/>
-              <a:t>Server</a:t>
-            </a:r>
+            <a:endParaRPr lang="nl-NL" sz="2200" dirty="0" smtClean="0"/>
           </a:p>
         </p:txBody>
       </p:sp>
@@ -5208,8 +5272,18 @@
             </a:pPr>
             <a:r>
               <a:rPr lang="nl-NL" sz="2200" dirty="0" smtClean="0"/>
+              <a:t>Server</a:t>
+            </a:r>
+          </a:p>
+          <a:p>
+            <a:pPr lvl="0">
+              <a:defRPr/>
+            </a:pPr>
+            <a:r>
+              <a:rPr lang="nl-NL" sz="2200" dirty="0" smtClean="0"/>
               <a:t>Protocol</a:t>
             </a:r>
+            <a:endParaRPr lang="nl-NL" sz="2200" dirty="0" smtClean="0"/>
           </a:p>
           <a:p>
             <a:pPr lvl="0">
@@ -5711,25 +5785,6 @@
           </a:p>
         </p:txBody>
       </p:sp>
-      <p:sp>
-        <p:nvSpPr>
-          <p:cNvPr id="10" name="Tijdelijke aanduiding voor inhoud 9"/>
-          <p:cNvSpPr>
-            <a:spLocks noGrp="1"/>
-          </p:cNvSpPr>
-          <p:nvPr>
-            <p:ph sz="half" idx="2"/>
-          </p:nvPr>
-        </p:nvSpPr>
-        <p:spPr/>
-        <p:txBody>
-          <a:bodyPr/>
-          <a:lstStyle/>
-          <a:p>
-            <a:endParaRPr lang="nl-NL"/>
-          </a:p>
-        </p:txBody>
-      </p:sp>
       <p:pic>
         <p:nvPicPr>
           <p:cNvPr id="17" name="Afbeelding 16" descr="container.jpg"/>
@@ -6614,10 +6669,10 @@
           <p:nvPr/>
         </p:nvPicPr>
         <p:blipFill>
-          <a:blip r:embed="rId3" cstate="print">
+          <a:blip r:embed="rId3">
             <a:extLst>
               <a:ext uri="{28A0092B-C50C-407E-A947-70E740481C1C}">
-                <a14:useLocalDpi xmlns:a14="http://schemas.microsoft.com/office/drawing/2010/main" xmlns="" val="0"/>
+                <a14:useLocalDpi xmlns:a14="http://schemas.microsoft.com/office/drawing/2010/main" val="0"/>
               </a:ext>
             </a:extLst>
           </a:blip>
@@ -6637,7 +6692,7 @@
           <a:noFill/>
           <a:extLst>
             <a:ext uri="{909E8E84-426E-40DD-AFC4-6F175D3DCCD1}">
-              <a14:hiddenFill xmlns:a14="http://schemas.microsoft.com/office/drawing/2010/main" xmlns="">
+              <a14:hiddenFill xmlns:a14="http://schemas.microsoft.com/office/drawing/2010/main">
                 <a:solidFill>
                   <a:srgbClr val="FFFFFF"/>
                 </a:solidFill>
@@ -6788,10 +6843,10 @@
           <p:nvPr/>
         </p:nvPicPr>
         <p:blipFill>
-          <a:blip r:embed="rId3" cstate="print">
+          <a:blip r:embed="rId3">
             <a:extLst>
               <a:ext uri="{28A0092B-C50C-407E-A947-70E740481C1C}">
-                <a14:useLocalDpi xmlns:a14="http://schemas.microsoft.com/office/drawing/2010/main" xmlns="" val="0"/>
+                <a14:useLocalDpi xmlns:a14="http://schemas.microsoft.com/office/drawing/2010/main" val="0"/>
               </a:ext>
             </a:extLst>
           </a:blip>
@@ -6811,7 +6866,7 @@
           <a:noFill/>
           <a:extLst>
             <a:ext uri="{909E8E84-426E-40DD-AFC4-6F175D3DCCD1}">
-              <a14:hiddenFill xmlns:a14="http://schemas.microsoft.com/office/drawing/2010/main" xmlns="">
+              <a14:hiddenFill xmlns:a14="http://schemas.microsoft.com/office/drawing/2010/main">
                 <a:solidFill>
                   <a:srgbClr val="FFFFFF"/>
                 </a:solidFill>

--- a/Documentatie/Presentatie/ContainingPresentatie.pptx
+++ b/Documentatie/Presentatie/ContainingPresentatie.pptx
@@ -350,7 +350,7 @@
             <a:fld id="{0522361C-41ED-469B-B255-C9BB6BA78ECD}" type="slidenum">
               <a:rPr lang="nl-NL" smtClean="0"/>
               <a:pPr/>
-              <a:t>‹#›</a:t>
+              <a:t>‹nr.›</a:t>
             </a:fld>
             <a:endParaRPr lang="nl-NL"/>
           </a:p>
@@ -517,7 +517,7 @@
             <a:fld id="{0522361C-41ED-469B-B255-C9BB6BA78ECD}" type="slidenum">
               <a:rPr lang="nl-NL" smtClean="0"/>
               <a:pPr/>
-              <a:t>‹#›</a:t>
+              <a:t>‹nr.›</a:t>
             </a:fld>
             <a:endParaRPr lang="nl-NL"/>
           </a:p>
@@ -694,7 +694,7 @@
             <a:fld id="{0522361C-41ED-469B-B255-C9BB6BA78ECD}" type="slidenum">
               <a:rPr lang="nl-NL" smtClean="0"/>
               <a:pPr/>
-              <a:t>‹#›</a:t>
+              <a:t>‹nr.›</a:t>
             </a:fld>
             <a:endParaRPr lang="nl-NL"/>
           </a:p>
@@ -861,7 +861,7 @@
             <a:fld id="{0522361C-41ED-469B-B255-C9BB6BA78ECD}" type="slidenum">
               <a:rPr lang="nl-NL" smtClean="0"/>
               <a:pPr/>
-              <a:t>‹#›</a:t>
+              <a:t>‹nr.›</a:t>
             </a:fld>
             <a:endParaRPr lang="nl-NL"/>
           </a:p>
@@ -1104,7 +1104,7 @@
             <a:fld id="{0522361C-41ED-469B-B255-C9BB6BA78ECD}" type="slidenum">
               <a:rPr lang="nl-NL" smtClean="0"/>
               <a:pPr/>
-              <a:t>‹#›</a:t>
+              <a:t>‹nr.›</a:t>
             </a:fld>
             <a:endParaRPr lang="nl-NL"/>
           </a:p>
@@ -1389,7 +1389,7 @@
             <a:fld id="{0522361C-41ED-469B-B255-C9BB6BA78ECD}" type="slidenum">
               <a:rPr lang="nl-NL" smtClean="0"/>
               <a:pPr/>
-              <a:t>‹#›</a:t>
+              <a:t>‹nr.›</a:t>
             </a:fld>
             <a:endParaRPr lang="nl-NL"/>
           </a:p>
@@ -1808,7 +1808,7 @@
             <a:fld id="{0522361C-41ED-469B-B255-C9BB6BA78ECD}" type="slidenum">
               <a:rPr lang="nl-NL" smtClean="0"/>
               <a:pPr/>
-              <a:t>‹#›</a:t>
+              <a:t>‹nr.›</a:t>
             </a:fld>
             <a:endParaRPr lang="nl-NL"/>
           </a:p>
@@ -1923,7 +1923,7 @@
             <a:fld id="{0522361C-41ED-469B-B255-C9BB6BA78ECD}" type="slidenum">
               <a:rPr lang="nl-NL" smtClean="0"/>
               <a:pPr/>
-              <a:t>‹#›</a:t>
+              <a:t>‹nr.›</a:t>
             </a:fld>
             <a:endParaRPr lang="nl-NL"/>
           </a:p>
@@ -2015,7 +2015,7 @@
             <a:fld id="{0522361C-41ED-469B-B255-C9BB6BA78ECD}" type="slidenum">
               <a:rPr lang="nl-NL" smtClean="0"/>
               <a:pPr/>
-              <a:t>‹#›</a:t>
+              <a:t>‹nr.›</a:t>
             </a:fld>
             <a:endParaRPr lang="nl-NL"/>
           </a:p>
@@ -2289,7 +2289,7 @@
             <a:fld id="{0522361C-41ED-469B-B255-C9BB6BA78ECD}" type="slidenum">
               <a:rPr lang="nl-NL" smtClean="0"/>
               <a:pPr/>
-              <a:t>‹#›</a:t>
+              <a:t>‹nr.›</a:t>
             </a:fld>
             <a:endParaRPr lang="nl-NL"/>
           </a:p>
@@ -2539,7 +2539,7 @@
             <a:fld id="{0522361C-41ED-469B-B255-C9BB6BA78ECD}" type="slidenum">
               <a:rPr lang="nl-NL" smtClean="0"/>
               <a:pPr/>
-              <a:t>‹#›</a:t>
+              <a:t>‹nr.›</a:t>
             </a:fld>
             <a:endParaRPr lang="nl-NL"/>
           </a:p>
@@ -2785,7 +2785,7 @@
             <a:fld id="{0522361C-41ED-469B-B255-C9BB6BA78ECD}" type="slidenum">
               <a:rPr lang="nl-NL" smtClean="0"/>
               <a:pPr/>
-              <a:t>‹#›</a:t>
+              <a:t>‹nr.›</a:t>
             </a:fld>
             <a:endParaRPr lang="nl-NL"/>
           </a:p>
@@ -3466,10 +3466,10 @@
           <p:nvPr/>
         </p:nvPicPr>
         <p:blipFill>
-          <a:blip r:embed="rId3">
+          <a:blip r:embed="rId3" cstate="print">
             <a:extLst>
               <a:ext uri="{28A0092B-C50C-407E-A947-70E740481C1C}">
-                <a14:useLocalDpi xmlns:a14="http://schemas.microsoft.com/office/drawing/2010/main" val="0"/>
+                <a14:useLocalDpi xmlns:a14="http://schemas.microsoft.com/office/drawing/2010/main" xmlns="" val="0"/>
               </a:ext>
             </a:extLst>
           </a:blip>
@@ -3489,7 +3489,7 @@
           <a:noFill/>
           <a:extLst>
             <a:ext uri="{909E8E84-426E-40DD-AFC4-6F175D3DCCD1}">
-              <a14:hiddenFill xmlns:a14="http://schemas.microsoft.com/office/drawing/2010/main">
+              <a14:hiddenFill xmlns:a14="http://schemas.microsoft.com/office/drawing/2010/main" xmlns="">
                 <a:solidFill>
                   <a:srgbClr val="FFFFFF"/>
                 </a:solidFill>
@@ -4362,24 +4362,17 @@
               <a:t>Coverage</a:t>
             </a:r>
             <a:r>
-              <a:rPr lang="nl-NL" dirty="0" smtClean="0"/>
-              <a:t> tests</a:t>
-            </a:r>
-          </a:p>
-          <a:p>
-            <a:r>
-              <a:rPr lang="nl-NL" dirty="0" smtClean="0"/>
-              <a:t>DOM </a:t>
-            </a:r>
-            <a:r>
-              <a:rPr lang="nl-NL" dirty="0" err="1" smtClean="0"/>
-              <a:t>testing</a:t>
-            </a:r>
-            <a:endParaRPr lang="nl-NL" dirty="0" smtClean="0"/>
-          </a:p>
-          <a:p>
-            <a:r>
-              <a:rPr lang="nl-NL" dirty="0" smtClean="0"/>
+              <a:rPr lang="nl-NL" smtClean="0"/>
+              <a:t> </a:t>
+            </a:r>
+            <a:r>
+              <a:rPr lang="nl-NL" smtClean="0"/>
+              <a:t>tests</a:t>
+            </a:r>
+          </a:p>
+          <a:p>
+            <a:r>
+              <a:rPr lang="nl-NL" smtClean="0"/>
               <a:t>Unit </a:t>
             </a:r>
             <a:r>
@@ -4410,10 +4403,10 @@
           <p:nvPr/>
         </p:nvPicPr>
         <p:blipFill>
-          <a:blip r:embed="rId3">
+          <a:blip r:embed="rId3" cstate="print">
             <a:extLst>
               <a:ext uri="{28A0092B-C50C-407E-A947-70E740481C1C}">
-                <a14:useLocalDpi xmlns:a14="http://schemas.microsoft.com/office/drawing/2010/main" val="0"/>
+                <a14:useLocalDpi xmlns:a14="http://schemas.microsoft.com/office/drawing/2010/main" xmlns="" val="0"/>
               </a:ext>
             </a:extLst>
           </a:blip>
@@ -4433,7 +4426,7 @@
           <a:noFill/>
           <a:extLst>
             <a:ext uri="{909E8E84-426E-40DD-AFC4-6F175D3DCCD1}">
-              <a14:hiddenFill xmlns:a14="http://schemas.microsoft.com/office/drawing/2010/main">
+              <a14:hiddenFill xmlns:a14="http://schemas.microsoft.com/office/drawing/2010/main" xmlns="">
                 <a:solidFill>
                   <a:srgbClr val="FFFFFF"/>
                 </a:solidFill>
@@ -4558,10 +4551,10 @@
           <p:nvPr/>
         </p:nvPicPr>
         <p:blipFill>
-          <a:blip r:embed="rId3">
+          <a:blip r:embed="rId3" cstate="print">
             <a:extLst>
               <a:ext uri="{28A0092B-C50C-407E-A947-70E740481C1C}">
-                <a14:useLocalDpi xmlns:a14="http://schemas.microsoft.com/office/drawing/2010/main" val="0"/>
+                <a14:useLocalDpi xmlns:a14="http://schemas.microsoft.com/office/drawing/2010/main" xmlns="" val="0"/>
               </a:ext>
             </a:extLst>
           </a:blip>
@@ -4581,7 +4574,7 @@
           <a:noFill/>
           <a:extLst>
             <a:ext uri="{909E8E84-426E-40DD-AFC4-6F175D3DCCD1}">
-              <a14:hiddenFill xmlns:a14="http://schemas.microsoft.com/office/drawing/2010/main">
+              <a14:hiddenFill xmlns:a14="http://schemas.microsoft.com/office/drawing/2010/main" xmlns="">
                 <a:solidFill>
                   <a:srgbClr val="FFFFFF"/>
                 </a:solidFill>
@@ -4706,10 +4699,10 @@
           <p:nvPr/>
         </p:nvPicPr>
         <p:blipFill>
-          <a:blip r:embed="rId3">
+          <a:blip r:embed="rId3" cstate="print">
             <a:extLst>
               <a:ext uri="{28A0092B-C50C-407E-A947-70E740481C1C}">
-                <a14:useLocalDpi xmlns:a14="http://schemas.microsoft.com/office/drawing/2010/main" val="0"/>
+                <a14:useLocalDpi xmlns:a14="http://schemas.microsoft.com/office/drawing/2010/main" xmlns="" val="0"/>
               </a:ext>
             </a:extLst>
           </a:blip>
@@ -4729,7 +4722,7 @@
           <a:noFill/>
           <a:extLst>
             <a:ext uri="{909E8E84-426E-40DD-AFC4-6F175D3DCCD1}">
-              <a14:hiddenFill xmlns:a14="http://schemas.microsoft.com/office/drawing/2010/main">
+              <a14:hiddenFill xmlns:a14="http://schemas.microsoft.com/office/drawing/2010/main" xmlns="">
                 <a:solidFill>
                   <a:srgbClr val="FFFFFF"/>
                 </a:solidFill>
@@ -5248,7 +5241,6 @@
               <a:rPr lang="nl-NL" sz="2200" dirty="0" smtClean="0"/>
               <a:t>Client</a:t>
             </a:r>
-            <a:endParaRPr lang="nl-NL" sz="2200" dirty="0" smtClean="0"/>
           </a:p>
         </p:txBody>
       </p:sp>
@@ -5283,7 +5275,6 @@
               <a:rPr lang="nl-NL" sz="2200" dirty="0" smtClean="0"/>
               <a:t>Protocol</a:t>
             </a:r>
-            <a:endParaRPr lang="nl-NL" sz="2200" dirty="0" smtClean="0"/>
           </a:p>
           <a:p>
             <a:pPr lvl="0">
@@ -6669,10 +6660,10 @@
           <p:nvPr/>
         </p:nvPicPr>
         <p:blipFill>
-          <a:blip r:embed="rId3">
+          <a:blip r:embed="rId3" cstate="print">
             <a:extLst>
               <a:ext uri="{28A0092B-C50C-407E-A947-70E740481C1C}">
-                <a14:useLocalDpi xmlns:a14="http://schemas.microsoft.com/office/drawing/2010/main" val="0"/>
+                <a14:useLocalDpi xmlns:a14="http://schemas.microsoft.com/office/drawing/2010/main" xmlns="" val="0"/>
               </a:ext>
             </a:extLst>
           </a:blip>
@@ -6692,7 +6683,7 @@
           <a:noFill/>
           <a:extLst>
             <a:ext uri="{909E8E84-426E-40DD-AFC4-6F175D3DCCD1}">
-              <a14:hiddenFill xmlns:a14="http://schemas.microsoft.com/office/drawing/2010/main">
+              <a14:hiddenFill xmlns:a14="http://schemas.microsoft.com/office/drawing/2010/main" xmlns="">
                 <a:solidFill>
                   <a:srgbClr val="FFFFFF"/>
                 </a:solidFill>
@@ -6843,10 +6834,10 @@
           <p:nvPr/>
         </p:nvPicPr>
         <p:blipFill>
-          <a:blip r:embed="rId3">
+          <a:blip r:embed="rId3" cstate="print">
             <a:extLst>
               <a:ext uri="{28A0092B-C50C-407E-A947-70E740481C1C}">
-                <a14:useLocalDpi xmlns:a14="http://schemas.microsoft.com/office/drawing/2010/main" val="0"/>
+                <a14:useLocalDpi xmlns:a14="http://schemas.microsoft.com/office/drawing/2010/main" xmlns="" val="0"/>
               </a:ext>
             </a:extLst>
           </a:blip>
@@ -6866,7 +6857,7 @@
           <a:noFill/>
           <a:extLst>
             <a:ext uri="{909E8E84-426E-40DD-AFC4-6F175D3DCCD1}">
-              <a14:hiddenFill xmlns:a14="http://schemas.microsoft.com/office/drawing/2010/main">
+              <a14:hiddenFill xmlns:a14="http://schemas.microsoft.com/office/drawing/2010/main" xmlns="">
                 <a:solidFill>
                   <a:srgbClr val="FFFFFF"/>
                 </a:solidFill>
